--- a/bootstrap/slides/05 Bootstrap Jumbotron.pptx
+++ b/bootstrap/slides/05 Bootstrap Jumbotron.pptx
@@ -8,8 +8,13 @@
     <p:sldId id="257" r:id="rId5"/>
     <p:sldId id="258" r:id="rId6"/>
     <p:sldId id="278" r:id="rId7"/>
-    <p:sldId id="277" r:id="rId8"/>
-    <p:sldId id="276" r:id="rId9"/>
+    <p:sldId id="282" r:id="rId8"/>
+    <p:sldId id="283" r:id="rId9"/>
+    <p:sldId id="281" r:id="rId10"/>
+    <p:sldId id="277" r:id="rId11"/>
+    <p:sldId id="279" r:id="rId12"/>
+    <p:sldId id="280" r:id="rId13"/>
+    <p:sldId id="276" r:id="rId14"/>
   </p:sldIdLst>
   <p:sldSz cx="12192000" cy="6858000"/>
   <p:notesSz cx="6858000" cy="9144000"/>
@@ -585,7 +590,7 @@
           <a:p>
             <a:fld id="{EA0C0817-A112-4847-8014-A94B7D2A4EA3}" type="datetime1">
               <a:rPr lang="en-US" smtClean="0"/>
-              <a:t>6/25/2020</a:t>
+              <a:t>6/26/2020</a:t>
             </a:fld>
             <a:endParaRPr lang="en-US" dirty="0"/>
           </a:p>
@@ -787,7 +792,7 @@
           <a:p>
             <a:fld id="{7332B432-ACDA-4023-A761-2BAB76577B62}" type="datetime1">
               <a:rPr lang="en-US" smtClean="0"/>
-              <a:t>6/25/2020</a:t>
+              <a:t>6/26/2020</a:t>
             </a:fld>
             <a:endParaRPr lang="en-US" dirty="0"/>
           </a:p>
@@ -1386,7 +1391,7 @@
           <a:p>
             <a:fld id="{D9C646AA-F36E-4540-911D-FFFC0A0EF24A}" type="datetime1">
               <a:rPr lang="en-US" smtClean="0"/>
-              <a:t>6/25/2020</a:t>
+              <a:t>6/26/2020</a:t>
             </a:fld>
             <a:endParaRPr lang="en-US" dirty="0"/>
           </a:p>
@@ -1706,7 +1711,7 @@
           <a:p>
             <a:fld id="{69186D26-FA5F-4637-B602-B7C2DC34CFD4}" type="datetime1">
               <a:rPr lang="en-US" smtClean="0"/>
-              <a:t>6/25/2020</a:t>
+              <a:t>6/26/2020</a:t>
             </a:fld>
             <a:endParaRPr lang="en-US" dirty="0"/>
           </a:p>
@@ -2143,7 +2148,7 @@
           <a:p>
             <a:fld id="{8A7F15D8-96D1-4781-BC50-CA8A088B2FE4}" type="datetime1">
               <a:rPr lang="en-US" smtClean="0"/>
-              <a:t>6/25/2020</a:t>
+              <a:t>6/26/2020</a:t>
             </a:fld>
             <a:endParaRPr lang="en-US" dirty="0"/>
           </a:p>
@@ -2261,7 +2266,7 @@
           <a:p>
             <a:fld id="{F9A96C99-B8F8-4528-BD05-0E16E943DC09}" type="datetime1">
               <a:rPr lang="en-US" smtClean="0"/>
-              <a:t>6/25/2020</a:t>
+              <a:t>6/26/2020</a:t>
             </a:fld>
             <a:endParaRPr lang="en-US" dirty="0"/>
           </a:p>
@@ -2356,7 +2361,7 @@
           <a:p>
             <a:fld id="{03636942-C211-4B28-8DBD-C953E00AF71B}" type="datetime1">
               <a:rPr lang="en-US" smtClean="0"/>
-              <a:t>6/25/2020</a:t>
+              <a:t>6/26/2020</a:t>
             </a:fld>
             <a:endParaRPr lang="en-US" dirty="0"/>
           </a:p>
@@ -2773,7 +2778,7 @@
           <a:p>
             <a:fld id="{7E8D12A6-918A-48BD-8CB9-CA713993B0EA}" type="datetime1">
               <a:rPr lang="en-US" smtClean="0"/>
-              <a:t>6/25/2020</a:t>
+              <a:t>6/26/2020</a:t>
             </a:fld>
             <a:endParaRPr lang="en-US" dirty="0"/>
           </a:p>
@@ -3035,7 +3040,7 @@
             <a:fld id="{E778CE86-875F-4587-BCF6-FA054AFC0D53}" type="datetime1">
               <a:rPr lang="en-US" smtClean="0"/>
               <a:pPr/>
-              <a:t>6/25/2020</a:t>
+              <a:t>6/26/2020</a:t>
             </a:fld>
             <a:endParaRPr lang="en-US" dirty="0"/>
           </a:p>
@@ -3551,7 +3556,7 @@
           <a:p>
             <a:fld id="{F6FA2B21-3FCD-4721-B95C-427943F61125}" type="datetime1">
               <a:rPr lang="en-US" smtClean="0"/>
-              <a:t>6/25/2020</a:t>
+              <a:t>6/26/2020</a:t>
             </a:fld>
             <a:endParaRPr lang="en-US" dirty="0"/>
           </a:p>
@@ -4256,6 +4261,118 @@
 </p:sld>
 </file>
 
+<file path=ppt/slides/slide10.xml><?xml version="1.0" encoding="utf-8"?>
+<p:sld xmlns:a="http://schemas.openxmlformats.org/drawingml/2006/main" xmlns:r="http://schemas.openxmlformats.org/officeDocument/2006/relationships" xmlns:p="http://schemas.openxmlformats.org/presentationml/2006/main">
+  <p:cSld>
+    <p:spTree>
+      <p:nvGrpSpPr>
+        <p:cNvPr id="1" name=""/>
+        <p:cNvGrpSpPr/>
+        <p:nvPr/>
+      </p:nvGrpSpPr>
+      <p:grpSpPr>
+        <a:xfrm>
+          <a:off x="0" y="0"/>
+          <a:ext cx="0" cy="0"/>
+          <a:chOff x="0" y="0"/>
+          <a:chExt cx="0" cy="0"/>
+        </a:xfrm>
+      </p:grpSpPr>
+      <p:sp>
+        <p:nvSpPr>
+          <p:cNvPr id="2" name="Title 1">
+            <a:extLst>
+              <a:ext uri="{FF2B5EF4-FFF2-40B4-BE49-F238E27FC236}">
+                <a16:creationId xmlns:a16="http://schemas.microsoft.com/office/drawing/2014/main" id="{8991F276-0EEF-406B-9F03-F72F9CFC6B94}"/>
+              </a:ext>
+            </a:extLst>
+          </p:cNvPr>
+          <p:cNvSpPr>
+            <a:spLocks noGrp="1"/>
+          </p:cNvSpPr>
+          <p:nvPr>
+            <p:ph type="title"/>
+          </p:nvPr>
+        </p:nvSpPr>
+        <p:spPr/>
+        <p:txBody>
+          <a:bodyPr/>
+          <a:lstStyle/>
+          <a:p>
+            <a:r>
+              <a:rPr lang="en-US"/>
+              <a:t>More Examples</a:t>
+            </a:r>
+          </a:p>
+        </p:txBody>
+      </p:sp>
+      <p:sp>
+        <p:nvSpPr>
+          <p:cNvPr id="3" name="Content Placeholder 2">
+            <a:extLst>
+              <a:ext uri="{FF2B5EF4-FFF2-40B4-BE49-F238E27FC236}">
+                <a16:creationId xmlns:a16="http://schemas.microsoft.com/office/drawing/2014/main" id="{D0AEC26E-461C-4A91-9C4D-40FA6B91872C}"/>
+              </a:ext>
+            </a:extLst>
+          </p:cNvPr>
+          <p:cNvSpPr>
+            <a:spLocks noGrp="1"/>
+          </p:cNvSpPr>
+          <p:nvPr>
+            <p:ph idx="1"/>
+          </p:nvPr>
+        </p:nvSpPr>
+        <p:spPr>
+          <a:xfrm>
+            <a:off x="357809" y="2049975"/>
+            <a:ext cx="11476382" cy="3849624"/>
+          </a:xfrm>
+        </p:spPr>
+        <p:txBody>
+          <a:bodyPr anchor="ctr">
+            <a:normAutofit/>
+          </a:bodyPr>
+          <a:lstStyle/>
+          <a:p>
+            <a:pPr marL="0" indent="0" algn="ctr">
+              <a:buNone/>
+            </a:pPr>
+            <a:r>
+              <a:rPr lang="en-US" sz="2800">
+                <a:solidFill>
+                  <a:srgbClr val="00B0F0"/>
+                </a:solidFill>
+                <a:hlinkClick r:id="rId2">
+                  <a:extLst>
+                    <a:ext uri="{A12FA001-AC4F-418D-AE19-62706E023703}">
+                      <ahyp:hlinkClr xmlns:ahyp="http://schemas.microsoft.com/office/drawing/2018/hyperlinkcolor" val="tx"/>
+                    </a:ext>
+                  </a:extLst>
+                </a:hlinkClick>
+              </a:rPr>
+              <a:t>https://getbootstrap.com/docs/4.5/components/jumbotron/</a:t>
+            </a:r>
+            <a:endParaRPr lang="en-US" sz="2800">
+              <a:solidFill>
+                <a:srgbClr val="00B0F0"/>
+              </a:solidFill>
+            </a:endParaRPr>
+          </a:p>
+        </p:txBody>
+      </p:sp>
+    </p:spTree>
+    <p:extLst>
+      <p:ext uri="{BB962C8B-B14F-4D97-AF65-F5344CB8AC3E}">
+        <p14:creationId xmlns:p14="http://schemas.microsoft.com/office/powerpoint/2010/main" val="832672444"/>
+      </p:ext>
+    </p:extLst>
+  </p:cSld>
+  <p:clrMapOvr>
+    <a:masterClrMapping/>
+  </p:clrMapOvr>
+</p:sld>
+</file>
+
 <file path=ppt/slides/slide2.xml><?xml version="1.0" encoding="utf-8"?>
 <p:sld xmlns:a="http://schemas.openxmlformats.org/drawingml/2006/main" xmlns:r="http://schemas.openxmlformats.org/officeDocument/2006/relationships" xmlns:p="http://schemas.openxmlformats.org/presentationml/2006/main">
   <p:cSld>
@@ -4358,8 +4475,8 @@
         </p:nvSpPr>
         <p:spPr>
           <a:xfrm>
-            <a:off x="1066800" y="5533294"/>
-            <a:ext cx="10058400" cy="954107"/>
+            <a:off x="6367243" y="5954157"/>
+            <a:ext cx="5462631" cy="523220"/>
           </a:xfrm>
           <a:prstGeom prst="rect">
             <a:avLst/>
@@ -4371,12 +4488,14 @@
           </a:bodyPr>
           <a:lstStyle/>
           <a:p>
+            <a:pPr algn="r"/>
             <a:r>
               <a:rPr lang="en-US" sz="1400" b="1"/>
               <a:t>Sources</a:t>
             </a:r>
           </a:p>
           <a:p>
+            <a:pPr algn="r"/>
             <a:r>
               <a:rPr lang="en-US" sz="1400">
                 <a:solidFill>
@@ -4391,50 +4510,6 @@
                 </a:hlinkClick>
               </a:rPr>
               <a:t>https://getbootstrap.com/docs/4.5/components/jumbotron/</a:t>
-            </a:r>
-            <a:endParaRPr lang="en-US" sz="1400">
-              <a:solidFill>
-                <a:srgbClr val="00B0F0"/>
-              </a:solidFill>
-            </a:endParaRPr>
-          </a:p>
-          <a:p>
-            <a:r>
-              <a:rPr lang="en-US" sz="1400">
-                <a:solidFill>
-                  <a:srgbClr val="00B0F0"/>
-                </a:solidFill>
-                <a:hlinkClick r:id="rId3">
-                  <a:extLst>
-                    <a:ext uri="{A12FA001-AC4F-418D-AE19-62706E023703}">
-                      <ahyp:hlinkClr xmlns:ahyp="http://schemas.microsoft.com/office/drawing/2018/hyperlinkcolor" val="tx"/>
-                    </a:ext>
-                  </a:extLst>
-                </a:hlinkClick>
-              </a:rPr>
-              <a:t>https://www.abtasty.com/blog/above-the-fold/</a:t>
-            </a:r>
-            <a:endParaRPr lang="en-US" sz="1400">
-              <a:solidFill>
-                <a:srgbClr val="00B0F0"/>
-              </a:solidFill>
-            </a:endParaRPr>
-          </a:p>
-          <a:p>
-            <a:r>
-              <a:rPr lang="en-US" sz="1400">
-                <a:solidFill>
-                  <a:srgbClr val="00B0F0"/>
-                </a:solidFill>
-                <a:hlinkClick r:id="rId4">
-                  <a:extLst>
-                    <a:ext uri="{A12FA001-AC4F-418D-AE19-62706E023703}">
-                      <ahyp:hlinkClr xmlns:ahyp="http://schemas.microsoft.com/office/drawing/2018/hyperlinkcolor" val="tx"/>
-                    </a:ext>
-                  </a:extLst>
-                </a:hlinkClick>
-              </a:rPr>
-              <a:t>https://www.optimizely.com/optimization-glossary/above-the-fold/</a:t>
             </a:r>
             <a:endParaRPr lang="en-US" sz="1400" b="1">
               <a:solidFill>
@@ -4459,7 +4534,7 @@
           <p:nvPr/>
         </p:nvPicPr>
         <p:blipFill>
-          <a:blip r:embed="rId5"/>
+          <a:blip r:embed="rId3"/>
           <a:stretch>
             <a:fillRect/>
           </a:stretch>
@@ -4520,7 +4595,12 @@
             <p:ph type="title"/>
           </p:nvPr>
         </p:nvSpPr>
-        <p:spPr/>
+        <p:spPr>
+          <a:xfrm>
+            <a:off x="719091" y="365409"/>
+            <a:ext cx="6507333" cy="1371600"/>
+          </a:xfrm>
+        </p:spPr>
         <p:txBody>
           <a:bodyPr/>
           <a:lstStyle/>
@@ -4548,15 +4628,213 @@
             <p:ph idx="1"/>
           </p:nvPr>
         </p:nvSpPr>
-        <p:spPr/>
-        <p:txBody>
-          <a:bodyPr/>
+        <p:spPr>
+          <a:xfrm>
+            <a:off x="719091" y="2248250"/>
+            <a:ext cx="6507333" cy="4244340"/>
+          </a:xfrm>
+        </p:spPr>
+        <p:txBody>
+          <a:bodyPr>
+            <a:normAutofit/>
+          </a:bodyPr>
           <a:lstStyle/>
           <a:p>
             <a:r>
-              <a:rPr lang="en-US"/>
-              <a:t>Originated with newspapers.</a:t>
-            </a:r>
+              <a:rPr lang="en-US" sz="2000"/>
+              <a:t>Originated with </a:t>
+            </a:r>
+            <a:r>
+              <a:rPr lang="en-US" sz="2000" b="1"/>
+              <a:t>newspapers.</a:t>
+            </a:r>
+          </a:p>
+          <a:p>
+            <a:r>
+              <a:rPr lang="en-US" sz="2000"/>
+              <a:t>Due to being printed on large sheets of paper, they were </a:t>
+            </a:r>
+            <a:r>
+              <a:rPr lang="en-US" sz="2000" b="1"/>
+              <a:t>folded once </a:t>
+            </a:r>
+            <a:r>
+              <a:rPr lang="en-US" sz="2000"/>
+              <a:t>when the they hit the news-stands.</a:t>
+            </a:r>
+          </a:p>
+          <a:p>
+            <a:r>
+              <a:rPr lang="en-US" sz="2000"/>
+              <a:t>This led to only the </a:t>
+            </a:r>
+            <a:r>
+              <a:rPr lang="en-US" sz="2000" b="1"/>
+              <a:t>top half of the front page </a:t>
+            </a:r>
+            <a:r>
+              <a:rPr lang="en-US" sz="2000"/>
+              <a:t>being visible to passersby.</a:t>
+            </a:r>
+          </a:p>
+          <a:p>
+            <a:r>
+              <a:rPr lang="en-US" sz="2000" b="1"/>
+              <a:t>Newspapers learned to present attention-grabbing headlines, content, and imagery on the top half of the page.</a:t>
+            </a:r>
+          </a:p>
+        </p:txBody>
+      </p:sp>
+      <p:pic>
+        <p:nvPicPr>
+          <p:cNvPr id="5" name="Picture 4" descr="A close up of text on a white background&#10;&#10;Description automatically generated">
+            <a:extLst>
+              <a:ext uri="{FF2B5EF4-FFF2-40B4-BE49-F238E27FC236}">
+                <a16:creationId xmlns:a16="http://schemas.microsoft.com/office/drawing/2014/main" id="{D9C5AFE9-97EF-4CAC-8EF4-E427DFE0B283}"/>
+              </a:ext>
+            </a:extLst>
+          </p:cNvPr>
+          <p:cNvPicPr>
+            <a:picLocks noChangeAspect="1"/>
+          </p:cNvPicPr>
+          <p:nvPr/>
+        </p:nvPicPr>
+        <p:blipFill>
+          <a:blip r:embed="rId2"/>
+          <a:stretch>
+            <a:fillRect/>
+          </a:stretch>
+        </p:blipFill>
+        <p:spPr>
+          <a:xfrm>
+            <a:off x="7226424" y="365409"/>
+            <a:ext cx="4602578" cy="3063591"/>
+          </a:xfrm>
+          <a:prstGeom prst="rect">
+            <a:avLst/>
+          </a:prstGeom>
+        </p:spPr>
+      </p:pic>
+      <p:sp>
+        <p:nvSpPr>
+          <p:cNvPr id="8" name="Title 1">
+            <a:extLst>
+              <a:ext uri="{FF2B5EF4-FFF2-40B4-BE49-F238E27FC236}">
+                <a16:creationId xmlns:a16="http://schemas.microsoft.com/office/drawing/2014/main" id="{7887956A-8326-42FB-9ABC-369A5471E1E2}"/>
+              </a:ext>
+            </a:extLst>
+          </p:cNvPr>
+          <p:cNvSpPr txBox="1">
+            <a:spLocks/>
+          </p:cNvSpPr>
+          <p:nvPr/>
+        </p:nvSpPr>
+        <p:spPr>
+          <a:xfrm>
+            <a:off x="1116809" y="1279763"/>
+            <a:ext cx="6109616" cy="457246"/>
+          </a:xfrm>
+          <a:prstGeom prst="rect">
+            <a:avLst/>
+          </a:prstGeom>
+        </p:spPr>
+        <p:txBody>
+          <a:bodyPr vert="horz" lIns="91440" tIns="45720" rIns="91440" bIns="45720" rtlCol="0" anchor="ctr">
+            <a:normAutofit lnSpcReduction="10000"/>
+          </a:bodyPr>
+          <a:lstStyle>
+            <a:lvl1pPr algn="l" defTabSz="914400" rtl="0" eaLnBrk="1" latinLnBrk="0" hangingPunct="1">
+              <a:lnSpc>
+                <a:spcPct val="90000"/>
+              </a:lnSpc>
+              <a:spcBef>
+                <a:spcPct val="0"/>
+              </a:spcBef>
+              <a:buNone/>
+              <a:defRPr lang="en-US" sz="4000" i="0" kern="1200" cap="none" spc="0" baseline="0" dirty="0">
+                <a:solidFill>
+                  <a:schemeClr val="tx1">
+                    <a:lumMod val="85000"/>
+                    <a:lumOff val="15000"/>
+                  </a:schemeClr>
+                </a:solidFill>
+                <a:effectLst/>
+                <a:latin typeface="+mj-lt"/>
+                <a:ea typeface="+mn-ea"/>
+                <a:cs typeface="+mn-cs"/>
+              </a:defRPr>
+            </a:lvl1pPr>
+          </a:lstStyle>
+          <a:p>
+            <a:r>
+              <a:rPr lang="en-US" sz="2800">
+                <a:solidFill>
+                  <a:schemeClr val="tx1">
+                    <a:lumMod val="50000"/>
+                    <a:lumOff val="50000"/>
+                  </a:schemeClr>
+                </a:solidFill>
+              </a:rPr>
+              <a:t>in the analog world</a:t>
+            </a:r>
+          </a:p>
+        </p:txBody>
+      </p:sp>
+      <p:sp>
+        <p:nvSpPr>
+          <p:cNvPr id="9" name="Rectangle 8">
+            <a:extLst>
+              <a:ext uri="{FF2B5EF4-FFF2-40B4-BE49-F238E27FC236}">
+                <a16:creationId xmlns:a16="http://schemas.microsoft.com/office/drawing/2014/main" id="{908BD02A-452C-4A58-8947-234D868553FD}"/>
+              </a:ext>
+            </a:extLst>
+          </p:cNvPr>
+          <p:cNvSpPr/>
+          <p:nvPr/>
+        </p:nvSpPr>
+        <p:spPr>
+          <a:xfrm>
+            <a:off x="6096000" y="5969370"/>
+            <a:ext cx="5710798" cy="523220"/>
+          </a:xfrm>
+          <a:prstGeom prst="rect">
+            <a:avLst/>
+          </a:prstGeom>
+        </p:spPr>
+        <p:txBody>
+          <a:bodyPr wrap="square">
+            <a:spAutoFit/>
+          </a:bodyPr>
+          <a:lstStyle/>
+          <a:p>
+            <a:pPr algn="r"/>
+            <a:r>
+              <a:rPr lang="en-US" sz="1400" b="1"/>
+              <a:t>Sources</a:t>
+            </a:r>
+          </a:p>
+          <a:p>
+            <a:pPr algn="r"/>
+            <a:r>
+              <a:rPr lang="en-US" sz="1400">
+                <a:solidFill>
+                  <a:srgbClr val="00B0F0"/>
+                </a:solidFill>
+                <a:hlinkClick r:id="rId3">
+                  <a:extLst>
+                    <a:ext uri="{A12FA001-AC4F-418D-AE19-62706E023703}">
+                      <ahyp:hlinkClr xmlns:ahyp="http://schemas.microsoft.com/office/drawing/2018/hyperlinkcolor" val="tx"/>
+                    </a:ext>
+                  </a:extLst>
+                </a:hlinkClick>
+              </a:rPr>
+              <a:t>https://www.abtasty.com/blog/above-the-fold/</a:t>
+            </a:r>
+            <a:endParaRPr lang="en-US" sz="1400" b="1">
+              <a:solidFill>
+                <a:srgbClr val="00B0F0"/>
+              </a:solidFill>
+            </a:endParaRPr>
           </a:p>
         </p:txBody>
       </p:sp>
@@ -4592,10 +4870,10 @@
       </p:grpSpPr>
       <p:sp>
         <p:nvSpPr>
-          <p:cNvPr id="2" name="Title 1">
+          <p:cNvPr id="3" name="Content Placeholder 2">
             <a:extLst>
               <a:ext uri="{FF2B5EF4-FFF2-40B4-BE49-F238E27FC236}">
-                <a16:creationId xmlns:a16="http://schemas.microsoft.com/office/drawing/2014/main" id="{1FC9EA7D-81ED-49DE-9778-20A8ED73825F}"/>
+                <a16:creationId xmlns:a16="http://schemas.microsoft.com/office/drawing/2014/main" id="{8362429D-3511-46ED-99A9-EB256D6C6749}"/>
               </a:ext>
             </a:extLst>
           </p:cNvPr>
@@ -4603,46 +4881,13 @@
             <a:spLocks noGrp="1"/>
           </p:cNvSpPr>
           <p:nvPr>
-            <p:ph type="title"/>
-          </p:nvPr>
-        </p:nvSpPr>
-        <p:spPr>
-          <a:xfrm>
-            <a:off x="1066800" y="505293"/>
-            <a:ext cx="10058400" cy="1371600"/>
-          </a:xfrm>
-        </p:spPr>
-        <p:txBody>
-          <a:bodyPr/>
-          <a:lstStyle/>
-          <a:p>
-            <a:r>
-              <a:rPr lang="en-US"/>
-              <a:t>A simple Jumbotron</a:t>
-            </a:r>
-          </a:p>
-        </p:txBody>
-      </p:sp>
-      <p:sp>
-        <p:nvSpPr>
-          <p:cNvPr id="3" name="Content Placeholder 2">
-            <a:extLst>
-              <a:ext uri="{FF2B5EF4-FFF2-40B4-BE49-F238E27FC236}">
-                <a16:creationId xmlns:a16="http://schemas.microsoft.com/office/drawing/2014/main" id="{6D9175A3-F50F-463B-AA1A-9C9433387178}"/>
-              </a:ext>
-            </a:extLst>
-          </p:cNvPr>
-          <p:cNvSpPr>
-            <a:spLocks noGrp="1"/>
-          </p:cNvSpPr>
-          <p:nvPr>
             <p:ph idx="1"/>
           </p:nvPr>
         </p:nvSpPr>
         <p:spPr>
           <a:xfrm>
-            <a:off x="1066800" y="1535469"/>
-            <a:ext cx="10786844" cy="2375399"/>
+            <a:off x="719091" y="2365694"/>
+            <a:ext cx="6232125" cy="4126895"/>
           </a:xfrm>
         </p:spPr>
         <p:txBody>
@@ -4651,94 +4896,71 @@
           </a:bodyPr>
           <a:lstStyle/>
           <a:p>
-            <a:pPr marL="0" indent="0">
-              <a:buNone/>
-            </a:pPr>
-            <a:r>
-              <a:rPr lang="en-US" sz="1600">
-                <a:latin typeface="Consolas" panose="020B0609020204030204" pitchFamily="49" charset="0"/>
-              </a:rPr>
-              <a:t>&lt;div class="</a:t>
-            </a:r>
-            <a:r>
-              <a:rPr lang="en-US" sz="1600">
-                <a:highlight>
-                  <a:srgbClr val="FCF7F1"/>
-                </a:highlight>
-                <a:latin typeface="Consolas" panose="020B0609020204030204" pitchFamily="49" charset="0"/>
-              </a:rPr>
-              <a:t>jumbotron</a:t>
-            </a:r>
-            <a:r>
-              <a:rPr lang="en-US" sz="1600">
-                <a:latin typeface="Consolas" panose="020B0609020204030204" pitchFamily="49" charset="0"/>
-              </a:rPr>
-              <a:t> bg-dark text-white rounded-0"&gt;</a:t>
-            </a:r>
-          </a:p>
-          <a:p>
-            <a:pPr marL="0" indent="0">
-              <a:buNone/>
-            </a:pPr>
-            <a:r>
-              <a:rPr lang="en-US" sz="1600">
-                <a:latin typeface="Consolas" panose="020B0609020204030204" pitchFamily="49" charset="0"/>
-              </a:rPr>
-              <a:t>  &lt;div class="container"&gt;</a:t>
-            </a:r>
-          </a:p>
-          <a:p>
-            <a:pPr marL="0" indent="0">
-              <a:buNone/>
-            </a:pPr>
-            <a:r>
-              <a:rPr lang="en-US" sz="1600">
-                <a:latin typeface="Consolas" panose="020B0609020204030204" pitchFamily="49" charset="0"/>
-              </a:rPr>
-              <a:t>    &lt;h1 class="display-4"&gt;A Simple Jumbotron&lt;/h1&gt;</a:t>
-            </a:r>
-          </a:p>
-          <a:p>
-            <a:pPr marL="0" indent="0">
-              <a:buNone/>
-            </a:pPr>
-            <a:r>
-              <a:rPr lang="en-US" sz="1600">
-                <a:latin typeface="Consolas" panose="020B0609020204030204" pitchFamily="49" charset="0"/>
-              </a:rPr>
-              <a:t>    &lt;a class="btn btn-primary btn-lg" role="button" href="#"&gt;Learn more&lt;/a&gt;</a:t>
-            </a:r>
-          </a:p>
-          <a:p>
-            <a:pPr marL="0" indent="0">
-              <a:buNone/>
-            </a:pPr>
-            <a:r>
-              <a:rPr lang="en-US" sz="1600">
-                <a:latin typeface="Consolas" panose="020B0609020204030204" pitchFamily="49" charset="0"/>
-              </a:rPr>
-              <a:t>  &lt;/div&gt;</a:t>
-            </a:r>
-          </a:p>
-          <a:p>
-            <a:pPr marL="0" indent="0">
-              <a:buNone/>
-            </a:pPr>
-            <a:r>
-              <a:rPr lang="en-US" sz="1600">
-                <a:latin typeface="Consolas" panose="020B0609020204030204" pitchFamily="49" charset="0"/>
-              </a:rPr>
-              <a:t>&lt;/div&gt;</a:t>
+            <a:r>
+              <a:rPr lang="en-US" sz="2000"/>
+              <a:t>This basic principle applies to </a:t>
+            </a:r>
+            <a:r>
+              <a:rPr lang="en-US" sz="2000" b="1"/>
+              <a:t>digitial content.</a:t>
+            </a:r>
+          </a:p>
+          <a:p>
+            <a:r>
+              <a:rPr lang="en-US" sz="2000"/>
+              <a:t>The fold relates to the </a:t>
+            </a:r>
+            <a:r>
+              <a:rPr lang="en-US" sz="2000" b="1"/>
+              <a:t>scrollbar.</a:t>
+            </a:r>
+          </a:p>
+          <a:p>
+            <a:r>
+              <a:rPr lang="en-US" sz="2000" b="1"/>
+              <a:t>Anything that isn't visible immediately, that requires scrolling, is conidered below the fold.</a:t>
+            </a:r>
+            <a:endParaRPr lang="en-US" sz="2000"/>
+          </a:p>
+          <a:p>
+            <a:endParaRPr lang="en-US" sz="2000"/>
+          </a:p>
+          <a:p>
+            <a:r>
+              <a:rPr lang="en-US" sz="2000"/>
+              <a:t>The fold is generally </a:t>
+            </a:r>
+            <a:r>
+              <a:rPr lang="en-US" sz="2000" b="1"/>
+              <a:t>400-600 pixels</a:t>
+            </a:r>
+            <a:r>
+              <a:rPr lang="en-US" sz="2000"/>
+              <a:t> from the top of the viewport.</a:t>
+            </a:r>
+          </a:p>
+          <a:p>
+            <a:r>
+              <a:rPr lang="en-US" sz="2000"/>
+              <a:t>You can use </a:t>
+            </a:r>
+            <a:r>
+              <a:rPr lang="en-US" sz="2000" b="1"/>
+              <a:t>vh</a:t>
+            </a:r>
+            <a:r>
+              <a:rPr lang="en-US" sz="2000"/>
+              <a:t> to be more precise if needed.</a:t>
             </a:r>
           </a:p>
         </p:txBody>
       </p:sp>
       <p:pic>
         <p:nvPicPr>
-          <p:cNvPr id="5" name="Picture 4">
+          <p:cNvPr id="4" name="Picture 3">
             <a:extLst>
               <a:ext uri="{FF2B5EF4-FFF2-40B4-BE49-F238E27FC236}">
-                <a16:creationId xmlns:a16="http://schemas.microsoft.com/office/drawing/2014/main" id="{328B96DC-7516-449F-B6FC-685C8AB4E97B}"/>
+                <a16:creationId xmlns:a16="http://schemas.microsoft.com/office/drawing/2014/main" id="{5A08DF23-EC8D-403D-974B-7FB2B83F423E}"/>
               </a:ext>
             </a:extLst>
           </p:cNvPr>
@@ -4755,18 +4977,197 @@
         </p:blipFill>
         <p:spPr>
           <a:xfrm>
-            <a:off x="-1066801" y="3910868"/>
-            <a:ext cx="18516423" cy="2375398"/>
+            <a:off x="6951216" y="365410"/>
+            <a:ext cx="4890554" cy="3085473"/>
           </a:xfrm>
           <a:prstGeom prst="rect">
             <a:avLst/>
           </a:prstGeom>
         </p:spPr>
       </p:pic>
+      <p:sp>
+        <p:nvSpPr>
+          <p:cNvPr id="9" name="Title 1">
+            <a:extLst>
+              <a:ext uri="{FF2B5EF4-FFF2-40B4-BE49-F238E27FC236}">
+                <a16:creationId xmlns:a16="http://schemas.microsoft.com/office/drawing/2014/main" id="{6DBB49AD-64C9-4EA3-B208-58ADB8FED409}"/>
+              </a:ext>
+            </a:extLst>
+          </p:cNvPr>
+          <p:cNvSpPr>
+            <a:spLocks noGrp="1"/>
+          </p:cNvSpPr>
+          <p:nvPr>
+            <p:ph type="title"/>
+          </p:nvPr>
+        </p:nvSpPr>
+        <p:spPr>
+          <a:xfrm>
+            <a:off x="719091" y="365409"/>
+            <a:ext cx="6507333" cy="1371600"/>
+          </a:xfrm>
+        </p:spPr>
+        <p:txBody>
+          <a:bodyPr/>
+          <a:lstStyle/>
+          <a:p>
+            <a:r>
+              <a:rPr lang="en-US"/>
+              <a:t>Above The Fold</a:t>
+            </a:r>
+          </a:p>
+        </p:txBody>
+      </p:sp>
+      <p:sp>
+        <p:nvSpPr>
+          <p:cNvPr id="10" name="Title 1">
+            <a:extLst>
+              <a:ext uri="{FF2B5EF4-FFF2-40B4-BE49-F238E27FC236}">
+                <a16:creationId xmlns:a16="http://schemas.microsoft.com/office/drawing/2014/main" id="{3C7AF67B-6034-4FEC-87C7-40311365E36D}"/>
+              </a:ext>
+            </a:extLst>
+          </p:cNvPr>
+          <p:cNvSpPr txBox="1">
+            <a:spLocks/>
+          </p:cNvSpPr>
+          <p:nvPr/>
+        </p:nvSpPr>
+        <p:spPr>
+          <a:xfrm>
+            <a:off x="1116809" y="1279763"/>
+            <a:ext cx="6109616" cy="457246"/>
+          </a:xfrm>
+          <a:prstGeom prst="rect">
+            <a:avLst/>
+          </a:prstGeom>
+        </p:spPr>
+        <p:txBody>
+          <a:bodyPr vert="horz" lIns="91440" tIns="45720" rIns="91440" bIns="45720" rtlCol="0" anchor="ctr">
+            <a:normAutofit lnSpcReduction="10000"/>
+          </a:bodyPr>
+          <a:lstStyle>
+            <a:lvl1pPr algn="l" defTabSz="914400" rtl="0" eaLnBrk="1" latinLnBrk="0" hangingPunct="1">
+              <a:lnSpc>
+                <a:spcPct val="90000"/>
+              </a:lnSpc>
+              <a:spcBef>
+                <a:spcPct val="0"/>
+              </a:spcBef>
+              <a:buNone/>
+              <a:defRPr lang="en-US" sz="4000" i="0" kern="1200" cap="none" spc="0" baseline="0" dirty="0">
+                <a:solidFill>
+                  <a:schemeClr val="tx1">
+                    <a:lumMod val="85000"/>
+                    <a:lumOff val="15000"/>
+                  </a:schemeClr>
+                </a:solidFill>
+                <a:effectLst/>
+                <a:latin typeface="+mj-lt"/>
+                <a:ea typeface="+mn-ea"/>
+                <a:cs typeface="+mn-cs"/>
+              </a:defRPr>
+            </a:lvl1pPr>
+          </a:lstStyle>
+          <a:p>
+            <a:r>
+              <a:rPr lang="en-US" sz="2800">
+                <a:solidFill>
+                  <a:schemeClr val="tx1">
+                    <a:lumMod val="50000"/>
+                    <a:lumOff val="50000"/>
+                  </a:schemeClr>
+                </a:solidFill>
+              </a:rPr>
+              <a:t>in the digital world</a:t>
+            </a:r>
+          </a:p>
+        </p:txBody>
+      </p:sp>
+      <p:sp>
+        <p:nvSpPr>
+          <p:cNvPr id="11" name="Rectangle 10">
+            <a:extLst>
+              <a:ext uri="{FF2B5EF4-FFF2-40B4-BE49-F238E27FC236}">
+                <a16:creationId xmlns:a16="http://schemas.microsoft.com/office/drawing/2014/main" id="{3CA308A3-5810-4D50-BCDF-B7750A2835C0}"/>
+              </a:ext>
+            </a:extLst>
+          </p:cNvPr>
+          <p:cNvSpPr/>
+          <p:nvPr/>
+        </p:nvSpPr>
+        <p:spPr>
+          <a:xfrm>
+            <a:off x="5746458" y="5753925"/>
+            <a:ext cx="6095311" cy="738664"/>
+          </a:xfrm>
+          <a:prstGeom prst="rect">
+            <a:avLst/>
+          </a:prstGeom>
+        </p:spPr>
+        <p:txBody>
+          <a:bodyPr wrap="square">
+            <a:spAutoFit/>
+          </a:bodyPr>
+          <a:lstStyle/>
+          <a:p>
+            <a:pPr algn="r"/>
+            <a:r>
+              <a:rPr lang="en-US" sz="1400" b="1"/>
+              <a:t>Sources</a:t>
+            </a:r>
+          </a:p>
+          <a:p>
+            <a:pPr algn="r"/>
+            <a:r>
+              <a:rPr lang="en-US" sz="1400">
+                <a:solidFill>
+                  <a:srgbClr val="00B0F0"/>
+                </a:solidFill>
+                <a:hlinkClick r:id="rId3">
+                  <a:extLst>
+                    <a:ext uri="{A12FA001-AC4F-418D-AE19-62706E023703}">
+                      <ahyp:hlinkClr xmlns:ahyp="http://schemas.microsoft.com/office/drawing/2018/hyperlinkcolor" val="tx"/>
+                    </a:ext>
+                  </a:extLst>
+                </a:hlinkClick>
+              </a:rPr>
+              <a:t>https://www.abtasty.com/blog/above-the-fold/</a:t>
+            </a:r>
+            <a:endParaRPr lang="en-US" sz="1400">
+              <a:solidFill>
+                <a:srgbClr val="00B0F0"/>
+              </a:solidFill>
+            </a:endParaRPr>
+          </a:p>
+          <a:p>
+            <a:pPr algn="r"/>
+            <a:r>
+              <a:rPr lang="en-US" sz="1400">
+                <a:solidFill>
+                  <a:srgbClr val="00B0F0"/>
+                </a:solidFill>
+                <a:hlinkClick r:id="rId4">
+                  <a:extLst>
+                    <a:ext uri="{A12FA001-AC4F-418D-AE19-62706E023703}">
+                      <ahyp:hlinkClr xmlns:ahyp="http://schemas.microsoft.com/office/drawing/2018/hyperlinkcolor" val="tx"/>
+                    </a:ext>
+                  </a:extLst>
+                </a:hlinkClick>
+              </a:rPr>
+              <a:t>https://www.optimizely.com/optimization-glossary/above-the-fold/</a:t>
+            </a:r>
+            <a:endParaRPr lang="en-US" sz="1400" b="1">
+              <a:solidFill>
+                <a:srgbClr val="00B0F0"/>
+              </a:solidFill>
+            </a:endParaRPr>
+          </a:p>
+        </p:txBody>
+      </p:sp>
     </p:spTree>
     <p:extLst>
       <p:ext uri="{BB962C8B-B14F-4D97-AF65-F5344CB8AC3E}">
-        <p14:creationId xmlns:p14="http://schemas.microsoft.com/office/powerpoint/2010/main" val="605628341"/>
+        <p14:creationId xmlns:p14="http://schemas.microsoft.com/office/powerpoint/2010/main" val="376220496"/>
       </p:ext>
     </p:extLst>
   </p:cSld>
@@ -4798,7 +5199,7 @@
           <p:cNvPr id="2" name="Title 1">
             <a:extLst>
               <a:ext uri="{FF2B5EF4-FFF2-40B4-BE49-F238E27FC236}">
-                <a16:creationId xmlns:a16="http://schemas.microsoft.com/office/drawing/2014/main" id="{8991F276-0EEF-406B-9F03-F72F9CFC6B94}"/>
+                <a16:creationId xmlns:a16="http://schemas.microsoft.com/office/drawing/2014/main" id="{EECCB714-36A1-446A-8382-7B3438D063A8}"/>
               </a:ext>
             </a:extLst>
           </p:cNvPr>
@@ -4816,7 +5217,7 @@
           <a:p>
             <a:r>
               <a:rPr lang="en-US"/>
-              <a:t>More Examples</a:t>
+              <a:t>The Conversion Funnel</a:t>
             </a:r>
           </a:p>
         </p:txBody>
@@ -4826,7 +5227,7 @@
           <p:cNvPr id="3" name="Content Placeholder 2">
             <a:extLst>
               <a:ext uri="{FF2B5EF4-FFF2-40B4-BE49-F238E27FC236}">
-                <a16:creationId xmlns:a16="http://schemas.microsoft.com/office/drawing/2014/main" id="{D0AEC26E-461C-4A91-9C4D-40FA6B91872C}"/>
+                <a16:creationId xmlns:a16="http://schemas.microsoft.com/office/drawing/2014/main" id="{9CC5B539-1E74-4EBD-87D9-ABD76145A17C}"/>
               </a:ext>
             </a:extLst>
           </p:cNvPr>
@@ -4839,21 +5240,110 @@
         </p:nvSpPr>
         <p:spPr>
           <a:xfrm>
-            <a:off x="357809" y="2049975"/>
-            <a:ext cx="11476382" cy="3849624"/>
-          </a:xfrm>
-        </p:spPr>
-        <p:txBody>
-          <a:bodyPr anchor="ctr">
+            <a:off x="1066800" y="2379117"/>
+            <a:ext cx="10058400" cy="2401768"/>
+          </a:xfrm>
+        </p:spPr>
+        <p:txBody>
+          <a:bodyPr>
             <a:normAutofit/>
           </a:bodyPr>
           <a:lstStyle/>
           <a:p>
-            <a:pPr marL="0" indent="0" algn="ctr">
-              <a:buNone/>
-            </a:pPr>
-            <a:r>
-              <a:rPr lang="en-US" sz="2800">
+            <a:r>
+              <a:rPr lang="en-US" sz="2000"/>
+              <a:t>Get your user's </a:t>
+            </a:r>
+            <a:r>
+              <a:rPr lang="en-US" sz="2000" b="1"/>
+              <a:t>attention.</a:t>
+            </a:r>
+            <a:r>
+              <a:rPr lang="en-US" sz="2000"/>
+              <a:t> (SEO, ads, marketing, etc)</a:t>
+            </a:r>
+          </a:p>
+          <a:p>
+            <a:r>
+              <a:rPr lang="en-US" sz="2000"/>
+              <a:t>Peak their </a:t>
+            </a:r>
+            <a:r>
+              <a:rPr lang="en-US" sz="2000" b="1"/>
+              <a:t>interest.</a:t>
+            </a:r>
+            <a:r>
+              <a:rPr lang="en-US" sz="2000"/>
+              <a:t> (attractive visuals, video content, quick summaries, etc)</a:t>
+            </a:r>
+          </a:p>
+          <a:p>
+            <a:r>
+              <a:rPr lang="en-US" sz="2000"/>
+              <a:t>Build a relationship of trust and the </a:t>
+            </a:r>
+            <a:r>
+              <a:rPr lang="en-US" sz="2000" b="1"/>
+              <a:t>desire</a:t>
+            </a:r>
+            <a:r>
+              <a:rPr lang="en-US" sz="2000"/>
+              <a:t> to buy. (product comparisons, case studies, testimonial, pricing, cause, history, etc)</a:t>
+            </a:r>
+          </a:p>
+          <a:p>
+            <a:r>
+              <a:rPr lang="en-US" sz="2000"/>
+              <a:t>Give them an </a:t>
+            </a:r>
+            <a:r>
+              <a:rPr lang="en-US" sz="2000" b="1"/>
+              <a:t>action</a:t>
+            </a:r>
+            <a:r>
+              <a:rPr lang="en-US" sz="2000"/>
+              <a:t> to take. (purchase, subscribe, etc)</a:t>
+            </a:r>
+          </a:p>
+        </p:txBody>
+      </p:sp>
+      <p:sp>
+        <p:nvSpPr>
+          <p:cNvPr id="4" name="Rectangle 3">
+            <a:extLst>
+              <a:ext uri="{FF2B5EF4-FFF2-40B4-BE49-F238E27FC236}">
+                <a16:creationId xmlns:a16="http://schemas.microsoft.com/office/drawing/2014/main" id="{4E657194-C0F6-404F-9ACA-02A724187AE4}"/>
+              </a:ext>
+            </a:extLst>
+          </p:cNvPr>
+          <p:cNvSpPr/>
+          <p:nvPr/>
+        </p:nvSpPr>
+        <p:spPr>
+          <a:xfrm>
+            <a:off x="5259897" y="5475690"/>
+            <a:ext cx="6524191" cy="954107"/>
+          </a:xfrm>
+          <a:prstGeom prst="rect">
+            <a:avLst/>
+          </a:prstGeom>
+        </p:spPr>
+        <p:txBody>
+          <a:bodyPr wrap="square">
+            <a:spAutoFit/>
+          </a:bodyPr>
+          <a:lstStyle/>
+          <a:p>
+            <a:pPr algn="r"/>
+            <a:r>
+              <a:rPr lang="en-US" sz="1400" b="1"/>
+              <a:t>Sources</a:t>
+            </a:r>
+          </a:p>
+          <a:p>
+            <a:pPr algn="r"/>
+            <a:r>
+              <a:rPr lang="en-US" sz="1400">
                 <a:solidFill>
                   <a:srgbClr val="00B0F0"/>
                 </a:solidFill>
@@ -4865,9 +5355,57 @@
                   </a:extLst>
                 </a:hlinkClick>
               </a:rPr>
-              <a:t>https://getbootstrap.com/docs/4.5/components/jumbotron/</a:t>
-            </a:r>
-            <a:endParaRPr lang="en-US" sz="2800">
+              <a:t>https://www.abtasty.com/blog/ecommerce-conversion-funnel/</a:t>
+            </a:r>
+          </a:p>
+          <a:p>
+            <a:pPr algn="r"/>
+            <a:r>
+              <a:rPr lang="en-US" sz="1400">
+                <a:solidFill>
+                  <a:srgbClr val="00B0F0"/>
+                </a:solidFill>
+                <a:hlinkClick r:id="rId3">
+                  <a:extLst>
+                    <a:ext uri="{A12FA001-AC4F-418D-AE19-62706E023703}">
+                      <ahyp:hlinkClr xmlns:ahyp="http://schemas.microsoft.com/office/drawing/2018/hyperlinkcolor" val="tx"/>
+                    </a:ext>
+                  </a:extLst>
+                </a:hlinkClick>
+              </a:rPr>
+              <a:t>https://www.abtasty.com/blog/effective-call-to-action/</a:t>
+            </a:r>
+            <a:endParaRPr lang="en-US" sz="1400">
+              <a:solidFill>
+                <a:srgbClr val="00B0F0"/>
+              </a:solidFill>
+              <a:hlinkClick r:id="rId2">
+                <a:extLst>
+                  <a:ext uri="{A12FA001-AC4F-418D-AE19-62706E023703}">
+                    <ahyp:hlinkClr xmlns:ahyp="http://schemas.microsoft.com/office/drawing/2018/hyperlinkcolor" val="tx"/>
+                  </a:ext>
+                </a:extLst>
+              </a:hlinkClick>
+            </a:endParaRPr>
+          </a:p>
+          <a:p>
+            <a:pPr algn="r"/>
+            <a:r>
+              <a:rPr lang="en-US" sz="1400">
+                <a:solidFill>
+                  <a:srgbClr val="00B0F0"/>
+                </a:solidFill>
+                <a:hlinkClick r:id="rId2">
+                  <a:extLst>
+                    <a:ext uri="{A12FA001-AC4F-418D-AE19-62706E023703}">
+                      <ahyp:hlinkClr xmlns:ahyp="http://schemas.microsoft.com/office/drawing/2018/hyperlinkcolor" val="tx"/>
+                    </a:ext>
+                  </a:extLst>
+                </a:hlinkClick>
+              </a:rPr>
+              <a:t>https://www.abtasty.com/blog/above-the-fold/</a:t>
+            </a:r>
+            <a:endParaRPr lang="en-US" sz="1400">
               <a:solidFill>
                 <a:srgbClr val="00B0F0"/>
               </a:solidFill>
@@ -4875,10 +5413,1630 @@
           </a:p>
         </p:txBody>
       </p:sp>
+      <p:sp>
+        <p:nvSpPr>
+          <p:cNvPr id="5" name="Title 1">
+            <a:extLst>
+              <a:ext uri="{FF2B5EF4-FFF2-40B4-BE49-F238E27FC236}">
+                <a16:creationId xmlns:a16="http://schemas.microsoft.com/office/drawing/2014/main" id="{674DB163-A688-4A74-A5D9-A46205F01D47}"/>
+              </a:ext>
+            </a:extLst>
+          </p:cNvPr>
+          <p:cNvSpPr txBox="1">
+            <a:spLocks/>
+          </p:cNvSpPr>
+          <p:nvPr/>
+        </p:nvSpPr>
+        <p:spPr>
+          <a:xfrm>
+            <a:off x="2090257" y="1556948"/>
+            <a:ext cx="6109616" cy="457246"/>
+          </a:xfrm>
+          <a:prstGeom prst="rect">
+            <a:avLst/>
+          </a:prstGeom>
+        </p:spPr>
+        <p:txBody>
+          <a:bodyPr vert="horz" lIns="91440" tIns="45720" rIns="91440" bIns="45720" rtlCol="0" anchor="ctr">
+            <a:normAutofit lnSpcReduction="10000"/>
+          </a:bodyPr>
+          <a:lstStyle>
+            <a:lvl1pPr algn="l" defTabSz="914400" rtl="0" eaLnBrk="1" latinLnBrk="0" hangingPunct="1">
+              <a:lnSpc>
+                <a:spcPct val="90000"/>
+              </a:lnSpc>
+              <a:spcBef>
+                <a:spcPct val="0"/>
+              </a:spcBef>
+              <a:buNone/>
+              <a:defRPr lang="en-US" sz="4000" i="0" kern="1200" cap="none" spc="0" baseline="0" dirty="0">
+                <a:solidFill>
+                  <a:schemeClr val="tx1">
+                    <a:lumMod val="85000"/>
+                    <a:lumOff val="15000"/>
+                  </a:schemeClr>
+                </a:solidFill>
+                <a:effectLst/>
+                <a:latin typeface="+mj-lt"/>
+                <a:ea typeface="+mn-ea"/>
+                <a:cs typeface="+mn-cs"/>
+              </a:defRPr>
+            </a:lvl1pPr>
+          </a:lstStyle>
+          <a:p>
+            <a:r>
+              <a:rPr lang="en-US" sz="2800">
+                <a:solidFill>
+                  <a:schemeClr val="tx1">
+                    <a:lumMod val="50000"/>
+                    <a:lumOff val="50000"/>
+                  </a:schemeClr>
+                </a:solidFill>
+              </a:rPr>
+              <a:t>and calls to action</a:t>
+            </a:r>
+          </a:p>
+        </p:txBody>
+      </p:sp>
     </p:spTree>
     <p:extLst>
       <p:ext uri="{BB962C8B-B14F-4D97-AF65-F5344CB8AC3E}">
-        <p14:creationId xmlns:p14="http://schemas.microsoft.com/office/powerpoint/2010/main" val="832672444"/>
+        <p14:creationId xmlns:p14="http://schemas.microsoft.com/office/powerpoint/2010/main" val="2517048286"/>
+      </p:ext>
+    </p:extLst>
+  </p:cSld>
+  <p:clrMapOvr>
+    <a:masterClrMapping/>
+  </p:clrMapOvr>
+</p:sld>
+</file>
+
+<file path=ppt/slides/slide6.xml><?xml version="1.0" encoding="utf-8"?>
+<p:sld xmlns:a="http://schemas.openxmlformats.org/drawingml/2006/main" xmlns:r="http://schemas.openxmlformats.org/officeDocument/2006/relationships" xmlns:p="http://schemas.openxmlformats.org/presentationml/2006/main">
+  <p:cSld>
+    <p:spTree>
+      <p:nvGrpSpPr>
+        <p:cNvPr id="1" name=""/>
+        <p:cNvGrpSpPr/>
+        <p:nvPr/>
+      </p:nvGrpSpPr>
+      <p:grpSpPr>
+        <a:xfrm>
+          <a:off x="0" y="0"/>
+          <a:ext cx="0" cy="0"/>
+          <a:chOff x="0" y="0"/>
+          <a:chExt cx="0" cy="0"/>
+        </a:xfrm>
+      </p:grpSpPr>
+      <p:sp>
+        <p:nvSpPr>
+          <p:cNvPr id="2" name="Title 1">
+            <a:extLst>
+              <a:ext uri="{FF2B5EF4-FFF2-40B4-BE49-F238E27FC236}">
+                <a16:creationId xmlns:a16="http://schemas.microsoft.com/office/drawing/2014/main" id="{EECCB714-36A1-446A-8382-7B3438D063A8}"/>
+              </a:ext>
+            </a:extLst>
+          </p:cNvPr>
+          <p:cNvSpPr>
+            <a:spLocks noGrp="1"/>
+          </p:cNvSpPr>
+          <p:nvPr>
+            <p:ph type="title"/>
+          </p:nvPr>
+        </p:nvSpPr>
+        <p:spPr/>
+        <p:txBody>
+          <a:bodyPr/>
+          <a:lstStyle/>
+          <a:p>
+            <a:r>
+              <a:rPr lang="en-US"/>
+              <a:t>Lessons Learned</a:t>
+            </a:r>
+          </a:p>
+        </p:txBody>
+      </p:sp>
+      <p:sp>
+        <p:nvSpPr>
+          <p:cNvPr id="3" name="Content Placeholder 2">
+            <a:extLst>
+              <a:ext uri="{FF2B5EF4-FFF2-40B4-BE49-F238E27FC236}">
+                <a16:creationId xmlns:a16="http://schemas.microsoft.com/office/drawing/2014/main" id="{9CC5B539-1E74-4EBD-87D9-ABD76145A17C}"/>
+              </a:ext>
+            </a:extLst>
+          </p:cNvPr>
+          <p:cNvSpPr>
+            <a:spLocks noGrp="1"/>
+          </p:cNvSpPr>
+          <p:nvPr>
+            <p:ph idx="1"/>
+          </p:nvPr>
+        </p:nvSpPr>
+        <p:spPr/>
+        <p:txBody>
+          <a:bodyPr>
+            <a:normAutofit/>
+          </a:bodyPr>
+          <a:lstStyle/>
+          <a:p>
+            <a:r>
+              <a:rPr lang="en-US" sz="2000" b="1"/>
+              <a:t>Present attention-grabbing headlines, content, and imagery above the fold of the home page.</a:t>
+            </a:r>
+          </a:p>
+          <a:p>
+            <a:r>
+              <a:rPr lang="en-US" sz="2000"/>
+              <a:t>Use </a:t>
+            </a:r>
+            <a:r>
+              <a:rPr lang="en-US" sz="2000" b="1"/>
+              <a:t>large font sizes</a:t>
+            </a:r>
+            <a:r>
+              <a:rPr lang="en-US" sz="2000"/>
+              <a:t> above the fold.</a:t>
+            </a:r>
+          </a:p>
+          <a:p>
+            <a:r>
+              <a:rPr lang="en-US" sz="2000"/>
+              <a:t>Use </a:t>
+            </a:r>
+            <a:r>
+              <a:rPr lang="en-US" sz="2000" b="1"/>
+              <a:t>background images</a:t>
+            </a:r>
+            <a:r>
+              <a:rPr lang="en-US" sz="2000"/>
+              <a:t> and/or </a:t>
+            </a:r>
+            <a:r>
+              <a:rPr lang="en-US" sz="2000" b="1"/>
+              <a:t>gradients</a:t>
+            </a:r>
+            <a:r>
+              <a:rPr lang="en-US" sz="2000"/>
+              <a:t> above the fold.</a:t>
+            </a:r>
+          </a:p>
+          <a:p>
+            <a:r>
+              <a:rPr lang="en-US" sz="2000"/>
+              <a:t>Use </a:t>
+            </a:r>
+            <a:r>
+              <a:rPr lang="en-US" sz="2000" b="1"/>
+              <a:t>animated graphics</a:t>
+            </a:r>
+            <a:r>
+              <a:rPr lang="en-US" sz="2000"/>
+              <a:t> and </a:t>
+            </a:r>
+            <a:r>
+              <a:rPr lang="en-US" sz="2000" b="1"/>
+              <a:t>video</a:t>
+            </a:r>
+            <a:r>
+              <a:rPr lang="en-US" sz="2000"/>
+              <a:t> above the fold.</a:t>
+            </a:r>
+          </a:p>
+          <a:p>
+            <a:r>
+              <a:rPr lang="en-US" sz="2000"/>
+              <a:t>Give a </a:t>
+            </a:r>
+            <a:r>
+              <a:rPr lang="en-US" sz="2000" b="1"/>
+              <a:t>Call To Action</a:t>
+            </a:r>
+            <a:r>
+              <a:rPr lang="en-US" sz="2000"/>
+              <a:t> somewhere on the home page.</a:t>
+            </a:r>
+          </a:p>
+        </p:txBody>
+      </p:sp>
+      <p:sp>
+        <p:nvSpPr>
+          <p:cNvPr id="4" name="Rectangle 3">
+            <a:extLst>
+              <a:ext uri="{FF2B5EF4-FFF2-40B4-BE49-F238E27FC236}">
+                <a16:creationId xmlns:a16="http://schemas.microsoft.com/office/drawing/2014/main" id="{1E0845BC-7C13-4C78-B3FD-E3DCAB43C0D6}"/>
+              </a:ext>
+            </a:extLst>
+          </p:cNvPr>
+          <p:cNvSpPr/>
+          <p:nvPr/>
+        </p:nvSpPr>
+        <p:spPr>
+          <a:xfrm>
+            <a:off x="6795083" y="5749251"/>
+            <a:ext cx="5047728" cy="738664"/>
+          </a:xfrm>
+          <a:prstGeom prst="rect">
+            <a:avLst/>
+          </a:prstGeom>
+        </p:spPr>
+        <p:txBody>
+          <a:bodyPr wrap="square">
+            <a:spAutoFit/>
+          </a:bodyPr>
+          <a:lstStyle/>
+          <a:p>
+            <a:pPr algn="r"/>
+            <a:r>
+              <a:rPr lang="en-US" sz="1400" b="1"/>
+              <a:t>Sources</a:t>
+            </a:r>
+          </a:p>
+          <a:p>
+            <a:pPr algn="r"/>
+            <a:r>
+              <a:rPr lang="en-US" sz="1400">
+                <a:solidFill>
+                  <a:srgbClr val="00B0F0"/>
+                </a:solidFill>
+                <a:hlinkClick r:id="rId2">
+                  <a:extLst>
+                    <a:ext uri="{A12FA001-AC4F-418D-AE19-62706E023703}">
+                      <ahyp:hlinkClr xmlns:ahyp="http://schemas.microsoft.com/office/drawing/2018/hyperlinkcolor" val="tx"/>
+                    </a:ext>
+                  </a:extLst>
+                </a:hlinkClick>
+              </a:rPr>
+              <a:t>https://www.abtasty.com/blog/above-the-fold/</a:t>
+            </a:r>
+            <a:endParaRPr lang="en-US" sz="1400">
+              <a:solidFill>
+                <a:srgbClr val="00B0F0"/>
+              </a:solidFill>
+            </a:endParaRPr>
+          </a:p>
+          <a:p>
+            <a:pPr algn="r"/>
+            <a:r>
+              <a:rPr lang="en-US" sz="1400">
+                <a:hlinkClick r:id="rId3"/>
+              </a:rPr>
+              <a:t>https://www.abtasty.com/blog/effective-call-to-action/</a:t>
+            </a:r>
+            <a:endParaRPr lang="en-US" sz="1400" b="1">
+              <a:solidFill>
+                <a:srgbClr val="00B0F0"/>
+              </a:solidFill>
+            </a:endParaRPr>
+          </a:p>
+        </p:txBody>
+      </p:sp>
+    </p:spTree>
+    <p:extLst>
+      <p:ext uri="{BB962C8B-B14F-4D97-AF65-F5344CB8AC3E}">
+        <p14:creationId xmlns:p14="http://schemas.microsoft.com/office/powerpoint/2010/main" val="1658068540"/>
+      </p:ext>
+    </p:extLst>
+  </p:cSld>
+  <p:clrMapOvr>
+    <a:masterClrMapping/>
+  </p:clrMapOvr>
+</p:sld>
+</file>
+
+<file path=ppt/slides/slide7.xml><?xml version="1.0" encoding="utf-8"?>
+<p:sld xmlns:a="http://schemas.openxmlformats.org/drawingml/2006/main" xmlns:r="http://schemas.openxmlformats.org/officeDocument/2006/relationships" xmlns:p="http://schemas.openxmlformats.org/presentationml/2006/main">
+  <p:cSld>
+    <p:spTree>
+      <p:nvGrpSpPr>
+        <p:cNvPr id="1" name=""/>
+        <p:cNvGrpSpPr/>
+        <p:nvPr/>
+      </p:nvGrpSpPr>
+      <p:grpSpPr>
+        <a:xfrm>
+          <a:off x="0" y="0"/>
+          <a:ext cx="0" cy="0"/>
+          <a:chOff x="0" y="0"/>
+          <a:chExt cx="0" cy="0"/>
+        </a:xfrm>
+      </p:grpSpPr>
+      <p:sp>
+        <p:nvSpPr>
+          <p:cNvPr id="2" name="Title 1">
+            <a:extLst>
+              <a:ext uri="{FF2B5EF4-FFF2-40B4-BE49-F238E27FC236}">
+                <a16:creationId xmlns:a16="http://schemas.microsoft.com/office/drawing/2014/main" id="{1FC9EA7D-81ED-49DE-9778-20A8ED73825F}"/>
+              </a:ext>
+            </a:extLst>
+          </p:cNvPr>
+          <p:cNvSpPr>
+            <a:spLocks noGrp="1"/>
+          </p:cNvSpPr>
+          <p:nvPr>
+            <p:ph type="title"/>
+          </p:nvPr>
+        </p:nvSpPr>
+        <p:spPr>
+          <a:xfrm>
+            <a:off x="1066800" y="411289"/>
+            <a:ext cx="10058400" cy="1371600"/>
+          </a:xfrm>
+        </p:spPr>
+        <p:txBody>
+          <a:bodyPr/>
+          <a:lstStyle/>
+          <a:p>
+            <a:r>
+              <a:rPr lang="en-US"/>
+              <a:t>Simple Jumbotron</a:t>
+            </a:r>
+          </a:p>
+        </p:txBody>
+      </p:sp>
+      <p:sp>
+        <p:nvSpPr>
+          <p:cNvPr id="3" name="Content Placeholder 2">
+            <a:extLst>
+              <a:ext uri="{FF2B5EF4-FFF2-40B4-BE49-F238E27FC236}">
+                <a16:creationId xmlns:a16="http://schemas.microsoft.com/office/drawing/2014/main" id="{6D9175A3-F50F-463B-AA1A-9C9433387178}"/>
+              </a:ext>
+            </a:extLst>
+          </p:cNvPr>
+          <p:cNvSpPr>
+            <a:spLocks noGrp="1"/>
+          </p:cNvSpPr>
+          <p:nvPr>
+            <p:ph idx="1"/>
+          </p:nvPr>
+        </p:nvSpPr>
+        <p:spPr>
+          <a:xfrm>
+            <a:off x="1066800" y="1659756"/>
+            <a:ext cx="10786844" cy="2375399"/>
+          </a:xfrm>
+        </p:spPr>
+        <p:txBody>
+          <a:bodyPr>
+            <a:normAutofit/>
+          </a:bodyPr>
+          <a:lstStyle/>
+          <a:p>
+            <a:pPr marL="0" indent="0">
+              <a:buNone/>
+            </a:pPr>
+            <a:r>
+              <a:rPr lang="en-US" sz="1600">
+                <a:latin typeface="Consolas" panose="020B0609020204030204" pitchFamily="49" charset="0"/>
+              </a:rPr>
+              <a:t>&lt;div class="</a:t>
+            </a:r>
+            <a:r>
+              <a:rPr lang="en-US" sz="1600">
+                <a:highlight>
+                  <a:srgbClr val="FCF7F1"/>
+                </a:highlight>
+                <a:latin typeface="Consolas" panose="020B0609020204030204" pitchFamily="49" charset="0"/>
+              </a:rPr>
+              <a:t>container</a:t>
+            </a:r>
+            <a:r>
+              <a:rPr lang="en-US" sz="1600">
+                <a:latin typeface="Consolas" panose="020B0609020204030204" pitchFamily="49" charset="0"/>
+              </a:rPr>
+              <a:t>"&gt;</a:t>
+            </a:r>
+          </a:p>
+          <a:p>
+            <a:pPr marL="0" indent="0">
+              <a:buNone/>
+            </a:pPr>
+            <a:r>
+              <a:rPr lang="en-US" sz="1600">
+                <a:latin typeface="Consolas" panose="020B0609020204030204" pitchFamily="49" charset="0"/>
+              </a:rPr>
+              <a:t>  &lt;div class="</a:t>
+            </a:r>
+            <a:r>
+              <a:rPr lang="en-US" sz="1600">
+                <a:highlight>
+                  <a:srgbClr val="FCF7F1"/>
+                </a:highlight>
+                <a:latin typeface="Consolas" panose="020B0609020204030204" pitchFamily="49" charset="0"/>
+              </a:rPr>
+              <a:t>jumbotron</a:t>
+            </a:r>
+            <a:r>
+              <a:rPr lang="en-US" sz="1600">
+                <a:latin typeface="Consolas" panose="020B0609020204030204" pitchFamily="49" charset="0"/>
+              </a:rPr>
+              <a:t> bg-dark text-white"&gt;</a:t>
+            </a:r>
+          </a:p>
+          <a:p>
+            <a:pPr marL="0" indent="0">
+              <a:buNone/>
+            </a:pPr>
+            <a:r>
+              <a:rPr lang="en-US" sz="1600">
+                <a:latin typeface="Consolas" panose="020B0609020204030204" pitchFamily="49" charset="0"/>
+              </a:rPr>
+              <a:t>    &lt;h1 class="</a:t>
+            </a:r>
+            <a:r>
+              <a:rPr lang="en-US" sz="1600">
+                <a:highlight>
+                  <a:srgbClr val="FCF7F1"/>
+                </a:highlight>
+                <a:latin typeface="Consolas" panose="020B0609020204030204" pitchFamily="49" charset="0"/>
+              </a:rPr>
+              <a:t>display-4</a:t>
+            </a:r>
+            <a:r>
+              <a:rPr lang="en-US" sz="1600">
+                <a:latin typeface="Consolas" panose="020B0609020204030204" pitchFamily="49" charset="0"/>
+              </a:rPr>
+              <a:t>"&gt;20% off store wide!&lt;/h1&gt;</a:t>
+            </a:r>
+          </a:p>
+          <a:p>
+            <a:pPr marL="0" indent="0">
+              <a:buNone/>
+            </a:pPr>
+            <a:r>
+              <a:rPr lang="en-US" sz="1600">
+                <a:latin typeface="Consolas" panose="020B0609020204030204" pitchFamily="49" charset="0"/>
+              </a:rPr>
+              <a:t>    &lt;a class="</a:t>
+            </a:r>
+            <a:r>
+              <a:rPr lang="en-US" sz="1600">
+                <a:highlight>
+                  <a:srgbClr val="FCF7F1"/>
+                </a:highlight>
+                <a:latin typeface="Consolas" panose="020B0609020204030204" pitchFamily="49" charset="0"/>
+              </a:rPr>
+              <a:t>btn btn-primary btn-lg</a:t>
+            </a:r>
+            <a:r>
+              <a:rPr lang="en-US" sz="1600">
+                <a:latin typeface="Consolas" panose="020B0609020204030204" pitchFamily="49" charset="0"/>
+              </a:rPr>
+              <a:t>" role="button" href="#"&gt;Learn more&lt;/a&gt;</a:t>
+            </a:r>
+          </a:p>
+          <a:p>
+            <a:pPr marL="0" indent="0">
+              <a:buNone/>
+            </a:pPr>
+            <a:r>
+              <a:rPr lang="en-US" sz="1600">
+                <a:latin typeface="Consolas" panose="020B0609020204030204" pitchFamily="49" charset="0"/>
+              </a:rPr>
+              <a:t>  &lt;/div&gt;</a:t>
+            </a:r>
+          </a:p>
+          <a:p>
+            <a:pPr marL="0" indent="0">
+              <a:buNone/>
+            </a:pPr>
+            <a:r>
+              <a:rPr lang="en-US" sz="1600">
+                <a:latin typeface="Consolas" panose="020B0609020204030204" pitchFamily="49" charset="0"/>
+              </a:rPr>
+              <a:t>&lt;/div&gt;</a:t>
+            </a:r>
+          </a:p>
+        </p:txBody>
+      </p:sp>
+      <p:pic>
+        <p:nvPicPr>
+          <p:cNvPr id="6" name="Picture 5">
+            <a:extLst>
+              <a:ext uri="{FF2B5EF4-FFF2-40B4-BE49-F238E27FC236}">
+                <a16:creationId xmlns:a16="http://schemas.microsoft.com/office/drawing/2014/main" id="{6A65B288-EA5C-4274-A4DE-F75295E8E391}"/>
+              </a:ext>
+            </a:extLst>
+          </p:cNvPr>
+          <p:cNvPicPr>
+            <a:picLocks noChangeAspect="1"/>
+          </p:cNvPicPr>
+          <p:nvPr/>
+        </p:nvPicPr>
+        <p:blipFill>
+          <a:blip r:embed="rId2"/>
+          <a:stretch>
+            <a:fillRect/>
+          </a:stretch>
+        </p:blipFill>
+        <p:spPr>
+          <a:xfrm>
+            <a:off x="690562" y="3913061"/>
+            <a:ext cx="10810875" cy="2533650"/>
+          </a:xfrm>
+          <a:prstGeom prst="rect">
+            <a:avLst/>
+          </a:prstGeom>
+        </p:spPr>
+      </p:pic>
+    </p:spTree>
+    <p:extLst>
+      <p:ext uri="{BB962C8B-B14F-4D97-AF65-F5344CB8AC3E}">
+        <p14:creationId xmlns:p14="http://schemas.microsoft.com/office/powerpoint/2010/main" val="605628341"/>
+      </p:ext>
+    </p:extLst>
+  </p:cSld>
+  <p:clrMapOvr>
+    <a:masterClrMapping/>
+  </p:clrMapOvr>
+</p:sld>
+</file>
+
+<file path=ppt/slides/slide8.xml><?xml version="1.0" encoding="utf-8"?>
+<p:sld xmlns:a="http://schemas.openxmlformats.org/drawingml/2006/main" xmlns:r="http://schemas.openxmlformats.org/officeDocument/2006/relationships" xmlns:p="http://schemas.openxmlformats.org/presentationml/2006/main">
+  <p:cSld>
+    <p:spTree>
+      <p:nvGrpSpPr>
+        <p:cNvPr id="1" name=""/>
+        <p:cNvGrpSpPr/>
+        <p:nvPr/>
+      </p:nvGrpSpPr>
+      <p:grpSpPr>
+        <a:xfrm>
+          <a:off x="0" y="0"/>
+          <a:ext cx="0" cy="0"/>
+          <a:chOff x="0" y="0"/>
+          <a:chExt cx="0" cy="0"/>
+        </a:xfrm>
+      </p:grpSpPr>
+      <p:sp>
+        <p:nvSpPr>
+          <p:cNvPr id="2" name="Title 1">
+            <a:extLst>
+              <a:ext uri="{FF2B5EF4-FFF2-40B4-BE49-F238E27FC236}">
+                <a16:creationId xmlns:a16="http://schemas.microsoft.com/office/drawing/2014/main" id="{1FC9EA7D-81ED-49DE-9778-20A8ED73825F}"/>
+              </a:ext>
+            </a:extLst>
+          </p:cNvPr>
+          <p:cNvSpPr>
+            <a:spLocks noGrp="1"/>
+          </p:cNvSpPr>
+          <p:nvPr>
+            <p:ph type="title"/>
+          </p:nvPr>
+        </p:nvSpPr>
+        <p:spPr>
+          <a:xfrm>
+            <a:off x="1066800" y="411289"/>
+            <a:ext cx="10058400" cy="1371600"/>
+          </a:xfrm>
+        </p:spPr>
+        <p:txBody>
+          <a:bodyPr/>
+          <a:lstStyle/>
+          <a:p>
+            <a:r>
+              <a:rPr lang="en-US"/>
+              <a:t>Full-Width Jumbotron</a:t>
+            </a:r>
+          </a:p>
+        </p:txBody>
+      </p:sp>
+      <p:sp>
+        <p:nvSpPr>
+          <p:cNvPr id="3" name="Content Placeholder 2">
+            <a:extLst>
+              <a:ext uri="{FF2B5EF4-FFF2-40B4-BE49-F238E27FC236}">
+                <a16:creationId xmlns:a16="http://schemas.microsoft.com/office/drawing/2014/main" id="{6D9175A3-F50F-463B-AA1A-9C9433387178}"/>
+              </a:ext>
+            </a:extLst>
+          </p:cNvPr>
+          <p:cNvSpPr>
+            <a:spLocks noGrp="1"/>
+          </p:cNvSpPr>
+          <p:nvPr>
+            <p:ph idx="1"/>
+          </p:nvPr>
+        </p:nvSpPr>
+        <p:spPr>
+          <a:xfrm>
+            <a:off x="1066800" y="1659756"/>
+            <a:ext cx="10786844" cy="2375399"/>
+          </a:xfrm>
+        </p:spPr>
+        <p:txBody>
+          <a:bodyPr>
+            <a:normAutofit/>
+          </a:bodyPr>
+          <a:lstStyle/>
+          <a:p>
+            <a:pPr marL="0" indent="0">
+              <a:buNone/>
+            </a:pPr>
+            <a:r>
+              <a:rPr lang="en-US" sz="1600">
+                <a:latin typeface="Consolas" panose="020B0609020204030204" pitchFamily="49" charset="0"/>
+              </a:rPr>
+              <a:t>&lt;div class="</a:t>
+            </a:r>
+            <a:r>
+              <a:rPr lang="en-US" sz="1600">
+                <a:highlight>
+                  <a:srgbClr val="FCF7F1"/>
+                </a:highlight>
+                <a:latin typeface="Consolas" panose="020B0609020204030204" pitchFamily="49" charset="0"/>
+              </a:rPr>
+              <a:t>jumbotron jumbotron-fluid</a:t>
+            </a:r>
+            <a:r>
+              <a:rPr lang="en-US" sz="1600">
+                <a:latin typeface="Consolas" panose="020B0609020204030204" pitchFamily="49" charset="0"/>
+              </a:rPr>
+              <a:t> bg-dark text-white"&gt;</a:t>
+            </a:r>
+          </a:p>
+          <a:p>
+            <a:pPr marL="0" indent="0">
+              <a:buNone/>
+            </a:pPr>
+            <a:r>
+              <a:rPr lang="en-US" sz="1600">
+                <a:latin typeface="Consolas" panose="020B0609020204030204" pitchFamily="49" charset="0"/>
+              </a:rPr>
+              <a:t>  &lt;div class="</a:t>
+            </a:r>
+            <a:r>
+              <a:rPr lang="en-US" sz="1600">
+                <a:highlight>
+                  <a:srgbClr val="FCF7F1"/>
+                </a:highlight>
+                <a:latin typeface="Consolas" panose="020B0609020204030204" pitchFamily="49" charset="0"/>
+              </a:rPr>
+              <a:t>container</a:t>
+            </a:r>
+            <a:r>
+              <a:rPr lang="en-US" sz="1600">
+                <a:latin typeface="Consolas" panose="020B0609020204030204" pitchFamily="49" charset="0"/>
+              </a:rPr>
+              <a:t>"&gt;</a:t>
+            </a:r>
+          </a:p>
+          <a:p>
+            <a:pPr marL="0" indent="0">
+              <a:buNone/>
+            </a:pPr>
+            <a:r>
+              <a:rPr lang="en-US" sz="1600">
+                <a:latin typeface="Consolas" panose="020B0609020204030204" pitchFamily="49" charset="0"/>
+              </a:rPr>
+              <a:t>    &lt;h1 class="</a:t>
+            </a:r>
+            <a:r>
+              <a:rPr lang="en-US" sz="1600">
+                <a:highlight>
+                  <a:srgbClr val="FCF7F1"/>
+                </a:highlight>
+                <a:latin typeface="Consolas" panose="020B0609020204030204" pitchFamily="49" charset="0"/>
+              </a:rPr>
+              <a:t>display-4</a:t>
+            </a:r>
+            <a:r>
+              <a:rPr lang="en-US" sz="1600">
+                <a:latin typeface="Consolas" panose="020B0609020204030204" pitchFamily="49" charset="0"/>
+              </a:rPr>
+              <a:t>"&gt;20% off store wide!&lt;/h1&gt;</a:t>
+            </a:r>
+          </a:p>
+          <a:p>
+            <a:pPr marL="0" indent="0">
+              <a:buNone/>
+            </a:pPr>
+            <a:r>
+              <a:rPr lang="en-US" sz="1600">
+                <a:latin typeface="Consolas" panose="020B0609020204030204" pitchFamily="49" charset="0"/>
+              </a:rPr>
+              <a:t>    &lt;a class="</a:t>
+            </a:r>
+            <a:r>
+              <a:rPr lang="en-US" sz="1600">
+                <a:highlight>
+                  <a:srgbClr val="FCF7F1"/>
+                </a:highlight>
+                <a:latin typeface="Consolas" panose="020B0609020204030204" pitchFamily="49" charset="0"/>
+              </a:rPr>
+              <a:t>btn btn-primary btn-lg</a:t>
+            </a:r>
+            <a:r>
+              <a:rPr lang="en-US" sz="1600">
+                <a:latin typeface="Consolas" panose="020B0609020204030204" pitchFamily="49" charset="0"/>
+              </a:rPr>
+              <a:t>" role="button" href="#"&gt;Learn more&lt;/a&gt;</a:t>
+            </a:r>
+          </a:p>
+          <a:p>
+            <a:pPr marL="0" indent="0">
+              <a:buNone/>
+            </a:pPr>
+            <a:r>
+              <a:rPr lang="en-US" sz="1600">
+                <a:latin typeface="Consolas" panose="020B0609020204030204" pitchFamily="49" charset="0"/>
+              </a:rPr>
+              <a:t>  &lt;/div&gt;</a:t>
+            </a:r>
+          </a:p>
+          <a:p>
+            <a:pPr marL="0" indent="0">
+              <a:buNone/>
+            </a:pPr>
+            <a:r>
+              <a:rPr lang="en-US" sz="1600">
+                <a:latin typeface="Consolas" panose="020B0609020204030204" pitchFamily="49" charset="0"/>
+              </a:rPr>
+              <a:t>&lt;/div&gt;</a:t>
+            </a:r>
+          </a:p>
+        </p:txBody>
+      </p:sp>
+      <p:pic>
+        <p:nvPicPr>
+          <p:cNvPr id="4" name="Picture 3">
+            <a:extLst>
+              <a:ext uri="{FF2B5EF4-FFF2-40B4-BE49-F238E27FC236}">
+                <a16:creationId xmlns:a16="http://schemas.microsoft.com/office/drawing/2014/main" id="{C4FC6161-522E-46A7-B1C7-BE8C20DAB56E}"/>
+              </a:ext>
+            </a:extLst>
+          </p:cNvPr>
+          <p:cNvPicPr>
+            <a:picLocks noChangeAspect="1"/>
+          </p:cNvPicPr>
+          <p:nvPr/>
+        </p:nvPicPr>
+        <p:blipFill>
+          <a:blip r:embed="rId2"/>
+          <a:stretch>
+            <a:fillRect/>
+          </a:stretch>
+        </p:blipFill>
+        <p:spPr>
+          <a:xfrm>
+            <a:off x="-2559953" y="4160667"/>
+            <a:ext cx="18040350" cy="2143125"/>
+          </a:xfrm>
+          <a:prstGeom prst="rect">
+            <a:avLst/>
+          </a:prstGeom>
+        </p:spPr>
+      </p:pic>
+    </p:spTree>
+    <p:extLst>
+      <p:ext uri="{BB962C8B-B14F-4D97-AF65-F5344CB8AC3E}">
+        <p14:creationId xmlns:p14="http://schemas.microsoft.com/office/powerpoint/2010/main" val="3245791899"/>
+      </p:ext>
+    </p:extLst>
+  </p:cSld>
+  <p:clrMapOvr>
+    <a:masterClrMapping/>
+  </p:clrMapOvr>
+</p:sld>
+</file>
+
+<file path=ppt/slides/slide9.xml><?xml version="1.0" encoding="utf-8"?>
+<p:sld xmlns:a="http://schemas.openxmlformats.org/drawingml/2006/main" xmlns:r="http://schemas.openxmlformats.org/officeDocument/2006/relationships" xmlns:p="http://schemas.openxmlformats.org/presentationml/2006/main">
+  <p:cSld>
+    <p:spTree>
+      <p:nvGrpSpPr>
+        <p:cNvPr id="1" name=""/>
+        <p:cNvGrpSpPr/>
+        <p:nvPr/>
+      </p:nvGrpSpPr>
+      <p:grpSpPr>
+        <a:xfrm>
+          <a:off x="0" y="0"/>
+          <a:ext cx="0" cy="0"/>
+          <a:chOff x="0" y="0"/>
+          <a:chExt cx="0" cy="0"/>
+        </a:xfrm>
+      </p:grpSpPr>
+      <p:sp>
+        <p:nvSpPr>
+          <p:cNvPr id="2" name="Title 1">
+            <a:extLst>
+              <a:ext uri="{FF2B5EF4-FFF2-40B4-BE49-F238E27FC236}">
+                <a16:creationId xmlns:a16="http://schemas.microsoft.com/office/drawing/2014/main" id="{1FC9EA7D-81ED-49DE-9778-20A8ED73825F}"/>
+              </a:ext>
+            </a:extLst>
+          </p:cNvPr>
+          <p:cNvSpPr>
+            <a:spLocks noGrp="1"/>
+          </p:cNvSpPr>
+          <p:nvPr>
+            <p:ph type="title"/>
+          </p:nvPr>
+        </p:nvSpPr>
+        <p:spPr>
+          <a:xfrm>
+            <a:off x="640673" y="379433"/>
+            <a:ext cx="10058400" cy="1371600"/>
+          </a:xfrm>
+        </p:spPr>
+        <p:txBody>
+          <a:bodyPr/>
+          <a:lstStyle/>
+          <a:p>
+            <a:r>
+              <a:rPr lang="en-US"/>
+              <a:t>Jumbotron with background image</a:t>
+            </a:r>
+          </a:p>
+        </p:txBody>
+      </p:sp>
+      <p:sp>
+        <p:nvSpPr>
+          <p:cNvPr id="3" name="Content Placeholder 2">
+            <a:extLst>
+              <a:ext uri="{FF2B5EF4-FFF2-40B4-BE49-F238E27FC236}">
+                <a16:creationId xmlns:a16="http://schemas.microsoft.com/office/drawing/2014/main" id="{6D9175A3-F50F-463B-AA1A-9C9433387178}"/>
+              </a:ext>
+            </a:extLst>
+          </p:cNvPr>
+          <p:cNvSpPr>
+            <a:spLocks noGrp="1"/>
+          </p:cNvSpPr>
+          <p:nvPr>
+            <p:ph idx="1"/>
+          </p:nvPr>
+        </p:nvSpPr>
+        <p:spPr>
+          <a:xfrm>
+            <a:off x="640673" y="1414163"/>
+            <a:ext cx="7473518" cy="1266894"/>
+          </a:xfrm>
+        </p:spPr>
+        <p:txBody>
+          <a:bodyPr>
+            <a:normAutofit/>
+          </a:bodyPr>
+          <a:lstStyle/>
+          <a:p>
+            <a:pPr marL="0" indent="0">
+              <a:lnSpc>
+                <a:spcPct val="100000"/>
+              </a:lnSpc>
+              <a:spcBef>
+                <a:spcPts val="0"/>
+              </a:spcBef>
+              <a:buNone/>
+            </a:pPr>
+            <a:r>
+              <a:rPr lang="en-US" sz="1400" b="1"/>
+              <a:t>HTML</a:t>
+            </a:r>
+          </a:p>
+          <a:p>
+            <a:pPr marL="0" indent="0">
+              <a:lnSpc>
+                <a:spcPct val="100000"/>
+              </a:lnSpc>
+              <a:spcBef>
+                <a:spcPts val="0"/>
+              </a:spcBef>
+              <a:buNone/>
+            </a:pPr>
+            <a:r>
+              <a:rPr lang="en-US" sz="1400">
+                <a:latin typeface="Consolas" panose="020B0609020204030204" pitchFamily="49" charset="0"/>
+              </a:rPr>
+              <a:t>&lt;div class="</a:t>
+            </a:r>
+            <a:r>
+              <a:rPr lang="en-US" sz="1400">
+                <a:highlight>
+                  <a:srgbClr val="FCF7F1"/>
+                </a:highlight>
+                <a:latin typeface="Consolas" panose="020B0609020204030204" pitchFamily="49" charset="0"/>
+              </a:rPr>
+              <a:t>jumbotron jumbotron-fluid</a:t>
+            </a:r>
+            <a:r>
+              <a:rPr lang="en-US" sz="1400">
+                <a:latin typeface="Consolas" panose="020B0609020204030204" pitchFamily="49" charset="0"/>
+              </a:rPr>
+              <a:t> </a:t>
+            </a:r>
+            <a:r>
+              <a:rPr lang="en-US" sz="1400">
+                <a:highlight>
+                  <a:srgbClr val="F8D22F"/>
+                </a:highlight>
+                <a:latin typeface="Consolas" panose="020B0609020204030204" pitchFamily="49" charset="0"/>
+              </a:rPr>
+              <a:t>example-jumbotron</a:t>
+            </a:r>
+            <a:r>
+              <a:rPr lang="en-US" sz="1400">
+                <a:latin typeface="Consolas" panose="020B0609020204030204" pitchFamily="49" charset="0"/>
+              </a:rPr>
+              <a:t>"&gt;</a:t>
+            </a:r>
+          </a:p>
+          <a:p>
+            <a:pPr marL="0" indent="0">
+              <a:lnSpc>
+                <a:spcPct val="100000"/>
+              </a:lnSpc>
+              <a:spcBef>
+                <a:spcPts val="0"/>
+              </a:spcBef>
+              <a:buNone/>
+            </a:pPr>
+            <a:r>
+              <a:rPr lang="en-US" sz="1400">
+                <a:latin typeface="Consolas" panose="020B0609020204030204" pitchFamily="49" charset="0"/>
+              </a:rPr>
+              <a:t>  &lt;h1 class="</a:t>
+            </a:r>
+            <a:r>
+              <a:rPr lang="en-US" sz="1400">
+                <a:highlight>
+                  <a:srgbClr val="FCF7F1"/>
+                </a:highlight>
+                <a:latin typeface="Consolas" panose="020B0609020204030204" pitchFamily="49" charset="0"/>
+              </a:rPr>
+              <a:t>display-4</a:t>
+            </a:r>
+            <a:r>
+              <a:rPr lang="en-US" sz="1400">
+                <a:latin typeface="Consolas" panose="020B0609020204030204" pitchFamily="49" charset="0"/>
+              </a:rPr>
+              <a:t>"&gt;20% off store wide!&lt;/h1&gt;</a:t>
+            </a:r>
+          </a:p>
+          <a:p>
+            <a:pPr marL="0" indent="0">
+              <a:lnSpc>
+                <a:spcPct val="100000"/>
+              </a:lnSpc>
+              <a:spcBef>
+                <a:spcPts val="0"/>
+              </a:spcBef>
+              <a:buNone/>
+            </a:pPr>
+            <a:r>
+              <a:rPr lang="en-US" sz="1400">
+                <a:latin typeface="Consolas" panose="020B0609020204030204" pitchFamily="49" charset="0"/>
+              </a:rPr>
+              <a:t>  &lt;a class="</a:t>
+            </a:r>
+            <a:r>
+              <a:rPr lang="en-US" sz="1400">
+                <a:highlight>
+                  <a:srgbClr val="FCF7F1"/>
+                </a:highlight>
+                <a:latin typeface="Consolas" panose="020B0609020204030204" pitchFamily="49" charset="0"/>
+              </a:rPr>
+              <a:t>btn btn-primary btn-lg</a:t>
+            </a:r>
+            <a:r>
+              <a:rPr lang="en-US" sz="1400">
+                <a:latin typeface="Consolas" panose="020B0609020204030204" pitchFamily="49" charset="0"/>
+              </a:rPr>
+              <a:t>" role="button" href="#"&gt;Learn more&lt;/a&gt;</a:t>
+            </a:r>
+          </a:p>
+          <a:p>
+            <a:pPr marL="0" indent="0">
+              <a:lnSpc>
+                <a:spcPct val="100000"/>
+              </a:lnSpc>
+              <a:spcBef>
+                <a:spcPts val="0"/>
+              </a:spcBef>
+              <a:buNone/>
+            </a:pPr>
+            <a:r>
+              <a:rPr lang="en-US" sz="1400">
+                <a:latin typeface="Consolas" panose="020B0609020204030204" pitchFamily="49" charset="0"/>
+              </a:rPr>
+              <a:t>&lt;/div&gt;</a:t>
+            </a:r>
+          </a:p>
+        </p:txBody>
+      </p:sp>
+      <p:sp>
+        <p:nvSpPr>
+          <p:cNvPr id="6" name="Content Placeholder 2">
+            <a:extLst>
+              <a:ext uri="{FF2B5EF4-FFF2-40B4-BE49-F238E27FC236}">
+                <a16:creationId xmlns:a16="http://schemas.microsoft.com/office/drawing/2014/main" id="{6F332C03-3187-4B2A-8B03-0A1F485B253D}"/>
+              </a:ext>
+            </a:extLst>
+          </p:cNvPr>
+          <p:cNvSpPr txBox="1">
+            <a:spLocks/>
+          </p:cNvSpPr>
+          <p:nvPr/>
+        </p:nvSpPr>
+        <p:spPr>
+          <a:xfrm>
+            <a:off x="640673" y="2658863"/>
+            <a:ext cx="3354278" cy="3036162"/>
+          </a:xfrm>
+          <a:prstGeom prst="rect">
+            <a:avLst/>
+          </a:prstGeom>
+        </p:spPr>
+        <p:txBody>
+          <a:bodyPr vert="horz" lIns="91440" tIns="45720" rIns="91440" bIns="45720" rtlCol="0">
+            <a:noAutofit/>
+          </a:bodyPr>
+          <a:lstStyle>
+            <a:lvl1pPr marL="182880" indent="-182880" algn="l" defTabSz="914400" rtl="0" eaLnBrk="1" latinLnBrk="0" hangingPunct="1">
+              <a:lnSpc>
+                <a:spcPct val="110000"/>
+              </a:lnSpc>
+              <a:spcBef>
+                <a:spcPts val="900"/>
+              </a:spcBef>
+              <a:spcAft>
+                <a:spcPts val="0"/>
+              </a:spcAft>
+              <a:buClr>
+                <a:schemeClr val="tx1">
+                  <a:lumMod val="85000"/>
+                  <a:lumOff val="15000"/>
+                </a:schemeClr>
+              </a:buClr>
+              <a:buFont typeface="Garamond" pitchFamily="18" charset="0"/>
+              <a:buChar char="◦"/>
+              <a:defRPr sz="1500" kern="1200">
+                <a:solidFill>
+                  <a:schemeClr val="tx1"/>
+                </a:solidFill>
+                <a:latin typeface="+mn-lt"/>
+                <a:ea typeface="+mn-ea"/>
+                <a:cs typeface="+mn-cs"/>
+              </a:defRPr>
+            </a:lvl1pPr>
+            <a:lvl2pPr marL="457200" indent="-182880" algn="l" defTabSz="914400" rtl="0" eaLnBrk="1" latinLnBrk="0" hangingPunct="1">
+              <a:lnSpc>
+                <a:spcPct val="100000"/>
+              </a:lnSpc>
+              <a:spcBef>
+                <a:spcPts val="500"/>
+              </a:spcBef>
+              <a:buClr>
+                <a:schemeClr val="tx1">
+                  <a:lumMod val="85000"/>
+                  <a:lumOff val="15000"/>
+                </a:schemeClr>
+              </a:buClr>
+              <a:buFont typeface="Garamond" pitchFamily="18" charset="0"/>
+              <a:buChar char="◦"/>
+              <a:defRPr sz="1300" kern="1200">
+                <a:solidFill>
+                  <a:schemeClr val="tx1"/>
+                </a:solidFill>
+                <a:latin typeface="+mn-lt"/>
+                <a:ea typeface="+mn-ea"/>
+                <a:cs typeface="+mn-cs"/>
+              </a:defRPr>
+            </a:lvl2pPr>
+            <a:lvl3pPr marL="731520" indent="-182880" algn="l" defTabSz="914400" rtl="0" eaLnBrk="1" latinLnBrk="0" hangingPunct="1">
+              <a:lnSpc>
+                <a:spcPct val="100000"/>
+              </a:lnSpc>
+              <a:spcBef>
+                <a:spcPts val="500"/>
+              </a:spcBef>
+              <a:buClr>
+                <a:schemeClr val="tx1">
+                  <a:lumMod val="85000"/>
+                  <a:lumOff val="15000"/>
+                </a:schemeClr>
+              </a:buClr>
+              <a:buFont typeface="Garamond" pitchFamily="18" charset="0"/>
+              <a:buChar char="◦"/>
+              <a:defRPr sz="1200" kern="1200">
+                <a:solidFill>
+                  <a:schemeClr val="tx1"/>
+                </a:solidFill>
+                <a:latin typeface="+mn-lt"/>
+                <a:ea typeface="+mn-ea"/>
+                <a:cs typeface="+mn-cs"/>
+              </a:defRPr>
+            </a:lvl3pPr>
+            <a:lvl4pPr marL="1005840" indent="-182880" algn="l" defTabSz="914400" rtl="0" eaLnBrk="1" latinLnBrk="0" hangingPunct="1">
+              <a:lnSpc>
+                <a:spcPct val="100000"/>
+              </a:lnSpc>
+              <a:spcBef>
+                <a:spcPts val="500"/>
+              </a:spcBef>
+              <a:buClr>
+                <a:schemeClr val="tx1">
+                  <a:lumMod val="85000"/>
+                  <a:lumOff val="15000"/>
+                </a:schemeClr>
+              </a:buClr>
+              <a:buFont typeface="Garamond" pitchFamily="18" charset="0"/>
+              <a:buChar char="◦"/>
+              <a:defRPr sz="1200" kern="1200">
+                <a:solidFill>
+                  <a:schemeClr val="tx1"/>
+                </a:solidFill>
+                <a:latin typeface="+mn-lt"/>
+                <a:ea typeface="+mn-ea"/>
+                <a:cs typeface="+mn-cs"/>
+              </a:defRPr>
+            </a:lvl4pPr>
+            <a:lvl5pPr marL="1280160" indent="-182880" algn="l" defTabSz="914400" rtl="0" eaLnBrk="1" latinLnBrk="0" hangingPunct="1">
+              <a:lnSpc>
+                <a:spcPct val="100000"/>
+              </a:lnSpc>
+              <a:spcBef>
+                <a:spcPts val="500"/>
+              </a:spcBef>
+              <a:buClr>
+                <a:schemeClr val="tx1">
+                  <a:lumMod val="85000"/>
+                  <a:lumOff val="15000"/>
+                </a:schemeClr>
+              </a:buClr>
+              <a:buFont typeface="Garamond" pitchFamily="18" charset="0"/>
+              <a:buChar char="◦"/>
+              <a:defRPr sz="1200" kern="1200">
+                <a:solidFill>
+                  <a:schemeClr val="tx1"/>
+                </a:solidFill>
+                <a:latin typeface="+mn-lt"/>
+                <a:ea typeface="+mn-ea"/>
+                <a:cs typeface="+mn-cs"/>
+              </a:defRPr>
+            </a:lvl5pPr>
+            <a:lvl6pPr marL="1600000" indent="-228600" algn="l" defTabSz="914400" rtl="0" eaLnBrk="1" latinLnBrk="0" hangingPunct="1">
+              <a:lnSpc>
+                <a:spcPct val="100000"/>
+              </a:lnSpc>
+              <a:spcBef>
+                <a:spcPts val="500"/>
+              </a:spcBef>
+              <a:buClr>
+                <a:schemeClr val="tx1">
+                  <a:lumMod val="85000"/>
+                  <a:lumOff val="15000"/>
+                </a:schemeClr>
+              </a:buClr>
+              <a:buFont typeface="Garamond" pitchFamily="18" charset="0"/>
+              <a:buChar char="◦"/>
+              <a:defRPr sz="1400" kern="1200">
+                <a:solidFill>
+                  <a:schemeClr val="tx1"/>
+                </a:solidFill>
+                <a:latin typeface="+mn-lt"/>
+                <a:ea typeface="+mn-ea"/>
+                <a:cs typeface="+mn-cs"/>
+              </a:defRPr>
+            </a:lvl6pPr>
+            <a:lvl7pPr marL="1900000" indent="-228600" algn="l" defTabSz="914400" rtl="0" eaLnBrk="1" latinLnBrk="0" hangingPunct="1">
+              <a:lnSpc>
+                <a:spcPct val="100000"/>
+              </a:lnSpc>
+              <a:spcBef>
+                <a:spcPts val="500"/>
+              </a:spcBef>
+              <a:buClr>
+                <a:schemeClr val="tx1">
+                  <a:lumMod val="85000"/>
+                  <a:lumOff val="15000"/>
+                </a:schemeClr>
+              </a:buClr>
+              <a:buFont typeface="Garamond" pitchFamily="18" charset="0"/>
+              <a:buChar char="◦"/>
+              <a:defRPr sz="1400" kern="1200">
+                <a:solidFill>
+                  <a:schemeClr val="tx1"/>
+                </a:solidFill>
+                <a:latin typeface="+mn-lt"/>
+                <a:ea typeface="+mn-ea"/>
+                <a:cs typeface="+mn-cs"/>
+              </a:defRPr>
+            </a:lvl7pPr>
+            <a:lvl8pPr marL="2200000" indent="-228600" algn="l" defTabSz="914400" rtl="0" eaLnBrk="1" latinLnBrk="0" hangingPunct="1">
+              <a:lnSpc>
+                <a:spcPct val="100000"/>
+              </a:lnSpc>
+              <a:spcBef>
+                <a:spcPts val="500"/>
+              </a:spcBef>
+              <a:buClr>
+                <a:schemeClr val="tx1">
+                  <a:lumMod val="85000"/>
+                  <a:lumOff val="15000"/>
+                </a:schemeClr>
+              </a:buClr>
+              <a:buFont typeface="Garamond" pitchFamily="18" charset="0"/>
+              <a:buChar char="◦"/>
+              <a:defRPr sz="1400" kern="1200">
+                <a:solidFill>
+                  <a:schemeClr val="tx1"/>
+                </a:solidFill>
+                <a:latin typeface="+mn-lt"/>
+                <a:ea typeface="+mn-ea"/>
+                <a:cs typeface="+mn-cs"/>
+              </a:defRPr>
+            </a:lvl8pPr>
+            <a:lvl9pPr marL="2500000" indent="-228600" algn="l" defTabSz="914400" rtl="0" eaLnBrk="1" latinLnBrk="0" hangingPunct="1">
+              <a:lnSpc>
+                <a:spcPct val="100000"/>
+              </a:lnSpc>
+              <a:spcBef>
+                <a:spcPts val="500"/>
+              </a:spcBef>
+              <a:buClr>
+                <a:schemeClr val="tx1">
+                  <a:lumMod val="85000"/>
+                  <a:lumOff val="15000"/>
+                </a:schemeClr>
+              </a:buClr>
+              <a:buFont typeface="Garamond" pitchFamily="18" charset="0"/>
+              <a:buChar char="◦"/>
+              <a:defRPr sz="1400" kern="1200">
+                <a:solidFill>
+                  <a:schemeClr val="tx1"/>
+                </a:solidFill>
+                <a:latin typeface="+mn-lt"/>
+                <a:ea typeface="+mn-ea"/>
+                <a:cs typeface="+mn-cs"/>
+              </a:defRPr>
+            </a:lvl9pPr>
+          </a:lstStyle>
+          <a:p>
+            <a:pPr marL="0" indent="0">
+              <a:lnSpc>
+                <a:spcPct val="100000"/>
+              </a:lnSpc>
+              <a:spcBef>
+                <a:spcPts val="0"/>
+              </a:spcBef>
+              <a:buFont typeface="Garamond" pitchFamily="18" charset="0"/>
+              <a:buNone/>
+            </a:pPr>
+            <a:r>
+              <a:rPr lang="en-US" sz="1400" b="1"/>
+              <a:t>CSS</a:t>
+            </a:r>
+          </a:p>
+          <a:p>
+            <a:pPr marL="0" indent="0">
+              <a:lnSpc>
+                <a:spcPct val="100000"/>
+              </a:lnSpc>
+              <a:spcBef>
+                <a:spcPts val="0"/>
+              </a:spcBef>
+              <a:buNone/>
+            </a:pPr>
+            <a:r>
+              <a:rPr lang="en-US" sz="1400">
+                <a:latin typeface="Consolas" panose="020B0609020204030204" pitchFamily="49" charset="0"/>
+              </a:rPr>
+              <a:t>.example-jumbotron {</a:t>
+            </a:r>
+          </a:p>
+          <a:p>
+            <a:pPr marL="0" indent="0">
+              <a:lnSpc>
+                <a:spcPct val="100000"/>
+              </a:lnSpc>
+              <a:spcBef>
+                <a:spcPts val="0"/>
+              </a:spcBef>
+              <a:buNone/>
+            </a:pPr>
+            <a:r>
+              <a:rPr lang="en-US" sz="1400">
+                <a:latin typeface="Consolas" panose="020B0609020204030204" pitchFamily="49" charset="0"/>
+              </a:rPr>
+              <a:t>  color: white;</a:t>
+            </a:r>
+          </a:p>
+          <a:p>
+            <a:pPr marL="0" indent="0">
+              <a:lnSpc>
+                <a:spcPct val="100000"/>
+              </a:lnSpc>
+              <a:spcBef>
+                <a:spcPts val="0"/>
+              </a:spcBef>
+              <a:buNone/>
+            </a:pPr>
+            <a:r>
+              <a:rPr lang="en-US" sz="1400">
+                <a:latin typeface="Consolas" panose="020B0609020204030204" pitchFamily="49" charset="0"/>
+              </a:rPr>
+              <a:t>  background-image: url('...');</a:t>
+            </a:r>
+          </a:p>
+          <a:p>
+            <a:pPr marL="0" indent="0">
+              <a:lnSpc>
+                <a:spcPct val="100000"/>
+              </a:lnSpc>
+              <a:spcBef>
+                <a:spcPts val="0"/>
+              </a:spcBef>
+              <a:buNone/>
+            </a:pPr>
+            <a:r>
+              <a:rPr lang="en-US" sz="1400">
+                <a:latin typeface="Consolas" panose="020B0609020204030204" pitchFamily="49" charset="0"/>
+              </a:rPr>
+              <a:t>  background-repeat: no-repeat;</a:t>
+            </a:r>
+          </a:p>
+          <a:p>
+            <a:pPr marL="0" indent="0">
+              <a:lnSpc>
+                <a:spcPct val="100000"/>
+              </a:lnSpc>
+              <a:spcBef>
+                <a:spcPts val="0"/>
+              </a:spcBef>
+              <a:buNone/>
+            </a:pPr>
+            <a:r>
+              <a:rPr lang="en-US" sz="1400">
+                <a:latin typeface="Consolas" panose="020B0609020204030204" pitchFamily="49" charset="0"/>
+              </a:rPr>
+              <a:t>  background-position: center;</a:t>
+            </a:r>
+          </a:p>
+          <a:p>
+            <a:pPr marL="0" indent="0">
+              <a:lnSpc>
+                <a:spcPct val="100000"/>
+              </a:lnSpc>
+              <a:spcBef>
+                <a:spcPts val="0"/>
+              </a:spcBef>
+              <a:buNone/>
+            </a:pPr>
+            <a:r>
+              <a:rPr lang="en-US" sz="1400">
+                <a:latin typeface="Consolas" panose="020B0609020204030204" pitchFamily="49" charset="0"/>
+              </a:rPr>
+              <a:t>  background-size: cover;</a:t>
+            </a:r>
+          </a:p>
+          <a:p>
+            <a:pPr marL="0" indent="0">
+              <a:lnSpc>
+                <a:spcPct val="100000"/>
+              </a:lnSpc>
+              <a:spcBef>
+                <a:spcPts val="0"/>
+              </a:spcBef>
+              <a:buNone/>
+            </a:pPr>
+            <a:r>
+              <a:rPr lang="en-US" sz="1400">
+                <a:latin typeface="Consolas" panose="020B0609020204030204" pitchFamily="49" charset="0"/>
+              </a:rPr>
+              <a:t>  min-height: 400px;</a:t>
+            </a:r>
+          </a:p>
+          <a:p>
+            <a:pPr marL="0" indent="0">
+              <a:lnSpc>
+                <a:spcPct val="100000"/>
+              </a:lnSpc>
+              <a:spcBef>
+                <a:spcPts val="0"/>
+              </a:spcBef>
+              <a:buNone/>
+            </a:pPr>
+            <a:r>
+              <a:rPr lang="en-US" sz="1400">
+                <a:latin typeface="Consolas" panose="020B0609020204030204" pitchFamily="49" charset="0"/>
+              </a:rPr>
+              <a:t>  display: flex;</a:t>
+            </a:r>
+          </a:p>
+          <a:p>
+            <a:pPr marL="0" indent="0">
+              <a:lnSpc>
+                <a:spcPct val="100000"/>
+              </a:lnSpc>
+              <a:spcBef>
+                <a:spcPts val="0"/>
+              </a:spcBef>
+              <a:buNone/>
+            </a:pPr>
+            <a:r>
+              <a:rPr lang="en-US" sz="1400">
+                <a:latin typeface="Consolas" panose="020B0609020204030204" pitchFamily="49" charset="0"/>
+              </a:rPr>
+              <a:t>  flex-direction: column;</a:t>
+            </a:r>
+          </a:p>
+          <a:p>
+            <a:pPr marL="0" indent="0">
+              <a:lnSpc>
+                <a:spcPct val="100000"/>
+              </a:lnSpc>
+              <a:spcBef>
+                <a:spcPts val="0"/>
+              </a:spcBef>
+              <a:buNone/>
+            </a:pPr>
+            <a:r>
+              <a:rPr lang="en-US" sz="1400">
+                <a:latin typeface="Consolas" panose="020B0609020204030204" pitchFamily="49" charset="0"/>
+              </a:rPr>
+              <a:t>  justify-content: center;</a:t>
+            </a:r>
+          </a:p>
+          <a:p>
+            <a:pPr marL="0" indent="0">
+              <a:lnSpc>
+                <a:spcPct val="100000"/>
+              </a:lnSpc>
+              <a:spcBef>
+                <a:spcPts val="0"/>
+              </a:spcBef>
+              <a:buNone/>
+            </a:pPr>
+            <a:r>
+              <a:rPr lang="en-US" sz="1400">
+                <a:latin typeface="Consolas" panose="020B0609020204030204" pitchFamily="49" charset="0"/>
+              </a:rPr>
+              <a:t>  align-items: center;</a:t>
+            </a:r>
+          </a:p>
+          <a:p>
+            <a:pPr marL="0" indent="0">
+              <a:lnSpc>
+                <a:spcPct val="100000"/>
+              </a:lnSpc>
+              <a:spcBef>
+                <a:spcPts val="0"/>
+              </a:spcBef>
+              <a:buNone/>
+            </a:pPr>
+            <a:r>
+              <a:rPr lang="en-US" sz="1400">
+                <a:latin typeface="Consolas" panose="020B0609020204030204" pitchFamily="49" charset="0"/>
+              </a:rPr>
+              <a:t>}</a:t>
+            </a:r>
+          </a:p>
+        </p:txBody>
+      </p:sp>
+      <p:sp>
+        <p:nvSpPr>
+          <p:cNvPr id="7" name="Rectangle 6">
+            <a:extLst>
+              <a:ext uri="{FF2B5EF4-FFF2-40B4-BE49-F238E27FC236}">
+                <a16:creationId xmlns:a16="http://schemas.microsoft.com/office/drawing/2014/main" id="{F05D36FC-8D9E-47D0-818F-FB309581044C}"/>
+              </a:ext>
+            </a:extLst>
+          </p:cNvPr>
+          <p:cNvSpPr/>
+          <p:nvPr/>
+        </p:nvSpPr>
+        <p:spPr>
+          <a:xfrm>
+            <a:off x="4338221" y="2785763"/>
+            <a:ext cx="3432699" cy="1815882"/>
+          </a:xfrm>
+          <a:prstGeom prst="rect">
+            <a:avLst/>
+          </a:prstGeom>
+        </p:spPr>
+        <p:txBody>
+          <a:bodyPr wrap="square">
+            <a:spAutoFit/>
+          </a:bodyPr>
+          <a:lstStyle/>
+          <a:p>
+            <a:r>
+              <a:rPr lang="en-US" sz="1400">
+                <a:latin typeface="Consolas" panose="020B0609020204030204" pitchFamily="49" charset="0"/>
+              </a:rPr>
+              <a:t>.example-jumbotron h1 {</a:t>
+            </a:r>
+          </a:p>
+          <a:p>
+            <a:r>
+              <a:rPr lang="en-US" sz="1400">
+                <a:latin typeface="Consolas" panose="020B0609020204030204" pitchFamily="49" charset="0"/>
+              </a:rPr>
+              <a:t>  font-weight: bolder;</a:t>
+            </a:r>
+          </a:p>
+          <a:p>
+            <a:r>
+              <a:rPr lang="en-US" sz="1400">
+                <a:latin typeface="Consolas" panose="020B0609020204030204" pitchFamily="49" charset="0"/>
+              </a:rPr>
+              <a:t>  text-shadow: 2px 2px black;</a:t>
+            </a:r>
+          </a:p>
+          <a:p>
+            <a:r>
+              <a:rPr lang="en-US" sz="1400">
+                <a:latin typeface="Consolas" panose="020B0609020204030204" pitchFamily="49" charset="0"/>
+              </a:rPr>
+              <a:t>}</a:t>
+            </a:r>
+          </a:p>
+          <a:p>
+            <a:r>
+              <a:rPr lang="en-US" sz="1400">
+                <a:latin typeface="Consolas" panose="020B0609020204030204" pitchFamily="49" charset="0"/>
+              </a:rPr>
+              <a:t>.example-jumbotron .btn {</a:t>
+            </a:r>
+          </a:p>
+          <a:p>
+            <a:r>
+              <a:rPr lang="en-US" sz="1400">
+                <a:latin typeface="Consolas" panose="020B0609020204030204" pitchFamily="49" charset="0"/>
+              </a:rPr>
+              <a:t>  font-weight: bolder;</a:t>
+            </a:r>
+          </a:p>
+          <a:p>
+            <a:r>
+              <a:rPr lang="en-US" sz="1400">
+                <a:latin typeface="Consolas" panose="020B0609020204030204" pitchFamily="49" charset="0"/>
+              </a:rPr>
+              <a:t>  box-shadow: 4px 4px black;</a:t>
+            </a:r>
+          </a:p>
+          <a:p>
+            <a:r>
+              <a:rPr lang="en-US" sz="1400">
+                <a:latin typeface="Consolas" panose="020B0609020204030204" pitchFamily="49" charset="0"/>
+              </a:rPr>
+              <a:t>}</a:t>
+            </a:r>
+          </a:p>
+        </p:txBody>
+      </p:sp>
+      <p:pic>
+        <p:nvPicPr>
+          <p:cNvPr id="8" name="Picture 7">
+            <a:extLst>
+              <a:ext uri="{FF2B5EF4-FFF2-40B4-BE49-F238E27FC236}">
+                <a16:creationId xmlns:a16="http://schemas.microsoft.com/office/drawing/2014/main" id="{5E4618A0-2DF9-487F-A161-C5AF7B9D8059}"/>
+              </a:ext>
+            </a:extLst>
+          </p:cNvPr>
+          <p:cNvPicPr>
+            <a:picLocks noChangeAspect="1"/>
+          </p:cNvPicPr>
+          <p:nvPr/>
+        </p:nvPicPr>
+        <p:blipFill>
+          <a:blip r:embed="rId2"/>
+          <a:stretch>
+            <a:fillRect/>
+          </a:stretch>
+        </p:blipFill>
+        <p:spPr>
+          <a:xfrm>
+            <a:off x="6054570" y="4496718"/>
+            <a:ext cx="5343525" cy="2905125"/>
+          </a:xfrm>
+          <a:prstGeom prst="rect">
+            <a:avLst/>
+          </a:prstGeom>
+        </p:spPr>
+      </p:pic>
+    </p:spTree>
+    <p:extLst>
+      <p:ext uri="{BB962C8B-B14F-4D97-AF65-F5344CB8AC3E}">
+        <p14:creationId xmlns:p14="http://schemas.microsoft.com/office/powerpoint/2010/main" val="563832160"/>
       </p:ext>
     </p:extLst>
   </p:cSld>
@@ -5165,24 +7323,6 @@
 </file>
 
 <file path=customXml/item1.xml><?xml version="1.0" encoding="utf-8"?>
-<p:properties xmlns:p="http://schemas.microsoft.com/office/2006/metadata/properties" xmlns:xsi="http://www.w3.org/2001/XMLSchema-instance" xmlns:pc="http://schemas.microsoft.com/office/infopath/2007/PartnerControls">
-  <documentManagement>
-    <Status xmlns="71af3243-3dd4-4a8d-8c0d-dd76da1f02a5">Not started</Status>
-    <MediaServiceKeyPoints xmlns="71af3243-3dd4-4a8d-8c0d-dd76da1f02a5" xsi:nil="true"/>
-  </documentManagement>
-</p:properties>
-</file>
-
-<file path=customXml/item2.xml><?xml version="1.0" encoding="utf-8"?>
-<?mso-contentType ?>
-<FormTemplates xmlns="http://schemas.microsoft.com/sharepoint/v3/contenttype/forms">
-  <Display>DocumentLibraryForm</Display>
-  <Edit>DocumentLibraryForm</Edit>
-  <New>DocumentLibraryForm</New>
-</FormTemplates>
-</file>
-
-<file path=customXml/item3.xml><?xml version="1.0" encoding="utf-8"?>
 <ct:contentTypeSchema xmlns:ct="http://schemas.microsoft.com/office/2006/metadata/contentType" xmlns:ma="http://schemas.microsoft.com/office/2006/metadata/properties/metaAttributes" ct:_="" ma:_="" ma:contentTypeName="Document" ma:contentTypeID="0x01010079F111ED35F8CC479449609E8A0923A6" ma:contentTypeVersion="12" ma:contentTypeDescription="Create a new document." ma:contentTypeScope="" ma:versionID="a410dd7f93c95333ffa1b60ed6adedd1">
   <xsd:schema xmlns:xsd="http://www.w3.org/2001/XMLSchema" xmlns:xs="http://www.w3.org/2001/XMLSchema" xmlns:p="http://schemas.microsoft.com/office/2006/metadata/properties" xmlns:ns2="71af3243-3dd4-4a8d-8c0d-dd76da1f02a5" xmlns:ns3="16c05727-aa75-4e4a-9b5f-8a80a1165891" targetNamespace="http://schemas.microsoft.com/office/2006/metadata/properties" ma:root="true" ma:fieldsID="a936d9baba76aa3866493feff160faab" ns2:_="" ns3:_="">
     <xsd:import namespace="71af3243-3dd4-4a8d-8c0d-dd76da1f02a5"/>
@@ -5403,25 +7543,25 @@
 </ct:contentTypeSchema>
 </file>
 
-<file path=customXml/itemProps1.xml><?xml version="1.0" encoding="utf-8"?>
-<ds:datastoreItem xmlns:ds="http://schemas.openxmlformats.org/officeDocument/2006/customXml" ds:itemID="{137651BA-F45C-4845-9AB3-E0A65B39F5E1}">
-  <ds:schemaRefs>
-    <ds:schemaRef ds:uri="http://schemas.microsoft.com/office/2006/metadata/properties"/>
-    <ds:schemaRef ds:uri="http://schemas.microsoft.com/office/infopath/2007/PartnerControls"/>
-    <ds:schemaRef ds:uri="71af3243-3dd4-4a8d-8c0d-dd76da1f02a5"/>
-  </ds:schemaRefs>
-</ds:datastoreItem>
+<file path=customXml/item2.xml><?xml version="1.0" encoding="utf-8"?>
+<?mso-contentType ?>
+<FormTemplates xmlns="http://schemas.microsoft.com/sharepoint/v3/contenttype/forms">
+  <Display>DocumentLibraryForm</Display>
+  <Edit>DocumentLibraryForm</Edit>
+  <New>DocumentLibraryForm</New>
+</FormTemplates>
 </file>
 
-<file path=customXml/itemProps2.xml><?xml version="1.0" encoding="utf-8"?>
-<ds:datastoreItem xmlns:ds="http://schemas.openxmlformats.org/officeDocument/2006/customXml" ds:itemID="{CDB58277-F8DF-46FF-84EC-EF41B835E69F}">
-  <ds:schemaRefs>
-    <ds:schemaRef ds:uri="http://schemas.microsoft.com/sharepoint/v3/contenttype/forms"/>
-  </ds:schemaRefs>
-</ds:datastoreItem>
+<file path=customXml/item3.xml><?xml version="1.0" encoding="utf-8"?>
+<p:properties xmlns:p="http://schemas.microsoft.com/office/2006/metadata/properties" xmlns:xsi="http://www.w3.org/2001/XMLSchema-instance" xmlns:pc="http://schemas.microsoft.com/office/infopath/2007/PartnerControls">
+  <documentManagement>
+    <Status xmlns="71af3243-3dd4-4a8d-8c0d-dd76da1f02a5">Not started</Status>
+    <MediaServiceKeyPoints xmlns="71af3243-3dd4-4a8d-8c0d-dd76da1f02a5" xsi:nil="true"/>
+  </documentManagement>
+</p:properties>
 </file>
 
-<file path=customXml/itemProps3.xml><?xml version="1.0" encoding="utf-8"?>
+<file path=customXml/itemProps1.xml><?xml version="1.0" encoding="utf-8"?>
 <ds:datastoreItem xmlns:ds="http://schemas.openxmlformats.org/officeDocument/2006/customXml" ds:itemID="{2D276E62-80A3-44DD-9BCC-97ED2B99B57F}">
   <ds:schemaRefs>
     <ds:schemaRef ds:uri="http://schemas.microsoft.com/office/2006/metadata/contentType"/>
@@ -5438,4 +7578,22 @@
     <ds:schemaRef ds:uri="http://schemas.microsoft.com/internal/obd"/>
   </ds:schemaRefs>
 </ds:datastoreItem>
+</file>
+
+<file path=customXml/itemProps2.xml><?xml version="1.0" encoding="utf-8"?>
+<ds:datastoreItem xmlns:ds="http://schemas.openxmlformats.org/officeDocument/2006/customXml" ds:itemID="{CDB58277-F8DF-46FF-84EC-EF41B835E69F}">
+  <ds:schemaRefs>
+    <ds:schemaRef ds:uri="http://schemas.microsoft.com/sharepoint/v3/contenttype/forms"/>
+  </ds:schemaRefs>
+</ds:datastoreItem>
+</file>
+
+<file path=customXml/itemProps3.xml><?xml version="1.0" encoding="utf-8"?>
+<ds:datastoreItem xmlns:ds="http://schemas.openxmlformats.org/officeDocument/2006/customXml" ds:itemID="{137651BA-F45C-4845-9AB3-E0A65B39F5E1}">
+  <ds:schemaRefs>
+    <ds:schemaRef ds:uri="http://schemas.microsoft.com/office/2006/metadata/properties"/>
+    <ds:schemaRef ds:uri="http://schemas.microsoft.com/office/infopath/2007/PartnerControls"/>
+    <ds:schemaRef ds:uri="71af3243-3dd4-4a8d-8c0d-dd76da1f02a5"/>
+  </ds:schemaRefs>
+</ds:datastoreItem>
 </file>